--- a/presentation.pptx
+++ b/presentation.pptx
@@ -9,6 +9,11 @@
     <p:sldId id="257" r:id="rId3"/>
     <p:sldId id="258" r:id="rId4"/>
     <p:sldId id="259" r:id="rId5"/>
+    <p:sldId id="260" r:id="rId6"/>
+    <p:sldId id="261" r:id="rId7"/>
+    <p:sldId id="262" r:id="rId8"/>
+    <p:sldId id="263" r:id="rId9"/>
+    <p:sldId id="264" r:id="rId10"/>
   </p:sldIdLst>
   <p:sldSz cx="9144000" cy="6858000" type="screen4x3"/>
   <p:notesSz cx="6858000" cy="9144000"/>
@@ -416,6 +421,7 @@
           <a:p>
             <a:fld id="{00F1F0B1-11BD-4E7E-87EA-C2B2CF49105B}" type="datetimeFigureOut">
               <a:rPr lang="en-US" smtClean="0"/>
+              <a:pPr/>
               <a:t>3/13/2019</a:t>
             </a:fld>
             <a:endParaRPr lang="en-US"/>
@@ -462,6 +468,7 @@
           <a:p>
             <a:fld id="{3FDE5034-ECA8-4AC2-BED5-CE88AB7DE52E}" type="slidenum">
               <a:rPr lang="en-US" smtClean="0"/>
+              <a:pPr/>
               <a:t>‹#›</a:t>
             </a:fld>
             <a:endParaRPr lang="en-US"/>
@@ -601,6 +608,7 @@
           <a:p>
             <a:fld id="{00F1F0B1-11BD-4E7E-87EA-C2B2CF49105B}" type="datetimeFigureOut">
               <a:rPr lang="en-US" smtClean="0"/>
+              <a:pPr/>
               <a:t>3/13/2019</a:t>
             </a:fld>
             <a:endParaRPr lang="en-US"/>
@@ -647,6 +655,7 @@
           <a:p>
             <a:fld id="{3FDE5034-ECA8-4AC2-BED5-CE88AB7DE52E}" type="slidenum">
               <a:rPr lang="en-US" smtClean="0"/>
+              <a:pPr/>
               <a:t>‹#›</a:t>
             </a:fld>
             <a:endParaRPr lang="en-US"/>
@@ -786,6 +795,7 @@
           <a:p>
             <a:fld id="{00F1F0B1-11BD-4E7E-87EA-C2B2CF49105B}" type="datetimeFigureOut">
               <a:rPr lang="en-US" smtClean="0"/>
+              <a:pPr/>
               <a:t>3/13/2019</a:t>
             </a:fld>
             <a:endParaRPr lang="en-US"/>
@@ -832,6 +842,7 @@
           <a:p>
             <a:fld id="{3FDE5034-ECA8-4AC2-BED5-CE88AB7DE52E}" type="slidenum">
               <a:rPr lang="en-US" smtClean="0"/>
+              <a:pPr/>
               <a:t>‹#›</a:t>
             </a:fld>
             <a:endParaRPr lang="en-US"/>
@@ -971,6 +982,7 @@
           <a:p>
             <a:fld id="{00F1F0B1-11BD-4E7E-87EA-C2B2CF49105B}" type="datetimeFigureOut">
               <a:rPr lang="en-US" smtClean="0"/>
+              <a:pPr/>
               <a:t>3/13/2019</a:t>
             </a:fld>
             <a:endParaRPr lang="en-US"/>
@@ -1017,6 +1029,7 @@
           <a:p>
             <a:fld id="{3FDE5034-ECA8-4AC2-BED5-CE88AB7DE52E}" type="slidenum">
               <a:rPr lang="en-US" smtClean="0"/>
+              <a:pPr/>
               <a:t>‹#›</a:t>
             </a:fld>
             <a:endParaRPr lang="en-US"/>
@@ -1352,6 +1365,7 @@
           <a:p>
             <a:fld id="{00F1F0B1-11BD-4E7E-87EA-C2B2CF49105B}" type="datetimeFigureOut">
               <a:rPr lang="en-US" smtClean="0"/>
+              <a:pPr/>
               <a:t>3/13/2019</a:t>
             </a:fld>
             <a:endParaRPr lang="en-US"/>
@@ -1398,6 +1412,7 @@
           <a:p>
             <a:fld id="{3FDE5034-ECA8-4AC2-BED5-CE88AB7DE52E}" type="slidenum">
               <a:rPr lang="en-US" smtClean="0"/>
+              <a:pPr/>
               <a:t>‹#›</a:t>
             </a:fld>
             <a:endParaRPr lang="en-US"/>
@@ -1621,6 +1636,7 @@
           <a:p>
             <a:fld id="{00F1F0B1-11BD-4E7E-87EA-C2B2CF49105B}" type="datetimeFigureOut">
               <a:rPr lang="en-US" smtClean="0"/>
+              <a:pPr/>
               <a:t>3/13/2019</a:t>
             </a:fld>
             <a:endParaRPr lang="en-US"/>
@@ -1667,6 +1683,7 @@
           <a:p>
             <a:fld id="{3FDE5034-ECA8-4AC2-BED5-CE88AB7DE52E}" type="slidenum">
               <a:rPr lang="en-US" smtClean="0"/>
+              <a:pPr/>
               <a:t>‹#›</a:t>
             </a:fld>
             <a:endParaRPr lang="en-US"/>
@@ -2006,6 +2023,7 @@
           <a:p>
             <a:fld id="{00F1F0B1-11BD-4E7E-87EA-C2B2CF49105B}" type="datetimeFigureOut">
               <a:rPr lang="en-US" smtClean="0"/>
+              <a:pPr/>
               <a:t>3/13/2019</a:t>
             </a:fld>
             <a:endParaRPr lang="en-US"/>
@@ -2052,6 +2070,7 @@
           <a:p>
             <a:fld id="{3FDE5034-ECA8-4AC2-BED5-CE88AB7DE52E}" type="slidenum">
               <a:rPr lang="en-US" smtClean="0"/>
+              <a:pPr/>
               <a:t>‹#›</a:t>
             </a:fld>
             <a:endParaRPr lang="en-US"/>
@@ -2127,6 +2146,7 @@
           <a:p>
             <a:fld id="{00F1F0B1-11BD-4E7E-87EA-C2B2CF49105B}" type="datetimeFigureOut">
               <a:rPr lang="en-US" smtClean="0"/>
+              <a:pPr/>
               <a:t>3/13/2019</a:t>
             </a:fld>
             <a:endParaRPr lang="en-US"/>
@@ -2173,6 +2193,7 @@
           <a:p>
             <a:fld id="{3FDE5034-ECA8-4AC2-BED5-CE88AB7DE52E}" type="slidenum">
               <a:rPr lang="en-US" smtClean="0"/>
+              <a:pPr/>
               <a:t>‹#›</a:t>
             </a:fld>
             <a:endParaRPr lang="en-US"/>
@@ -2307,6 +2328,7 @@
           <a:p>
             <a:fld id="{00F1F0B1-11BD-4E7E-87EA-C2B2CF49105B}" type="datetimeFigureOut">
               <a:rPr lang="en-US" smtClean="0"/>
+              <a:pPr/>
               <a:t>3/13/2019</a:t>
             </a:fld>
             <a:endParaRPr lang="en-US"/>
@@ -2353,6 +2375,7 @@
           <a:p>
             <a:fld id="{3FDE5034-ECA8-4AC2-BED5-CE88AB7DE52E}" type="slidenum">
               <a:rPr lang="en-US" smtClean="0"/>
+              <a:pPr/>
               <a:t>‹#›</a:t>
             </a:fld>
             <a:endParaRPr lang="en-US"/>
@@ -2641,6 +2664,7 @@
           <a:p>
             <a:fld id="{00F1F0B1-11BD-4E7E-87EA-C2B2CF49105B}" type="datetimeFigureOut">
               <a:rPr lang="en-US" smtClean="0"/>
+              <a:pPr/>
               <a:t>3/13/2019</a:t>
             </a:fld>
             <a:endParaRPr lang="en-US"/>
@@ -2687,6 +2711,7 @@
           <a:p>
             <a:fld id="{3FDE5034-ECA8-4AC2-BED5-CE88AB7DE52E}" type="slidenum">
               <a:rPr lang="en-US" smtClean="0"/>
+              <a:pPr/>
               <a:t>‹#›</a:t>
             </a:fld>
             <a:endParaRPr lang="en-US"/>
@@ -3010,6 +3035,7 @@
           <a:p>
             <a:fld id="{00F1F0B1-11BD-4E7E-87EA-C2B2CF49105B}" type="datetimeFigureOut">
               <a:rPr lang="en-US" smtClean="0"/>
+              <a:pPr/>
               <a:t>3/13/2019</a:t>
             </a:fld>
             <a:endParaRPr lang="en-US"/>
@@ -3056,6 +3082,7 @@
           <a:p>
             <a:fld id="{3FDE5034-ECA8-4AC2-BED5-CE88AB7DE52E}" type="slidenum">
               <a:rPr lang="en-US" smtClean="0"/>
+              <a:pPr/>
               <a:t>‹#›</a:t>
             </a:fld>
             <a:endParaRPr lang="en-US"/>
@@ -3428,6 +3455,7 @@
           <a:p>
             <a:fld id="{00F1F0B1-11BD-4E7E-87EA-C2B2CF49105B}" type="datetimeFigureOut">
               <a:rPr lang="en-US" smtClean="0"/>
+              <a:pPr/>
               <a:t>3/13/2019</a:t>
             </a:fld>
             <a:endParaRPr lang="en-US"/>
@@ -3508,6 +3536,7 @@
           <a:p>
             <a:fld id="{3FDE5034-ECA8-4AC2-BED5-CE88AB7DE52E}" type="slidenum">
               <a:rPr lang="en-US" smtClean="0"/>
+              <a:pPr/>
               <a:t>‹#›</a:t>
             </a:fld>
             <a:endParaRPr lang="en-US"/>
@@ -3926,7 +3955,9 @@
           </a:xfrm>
         </p:spPr>
         <p:txBody>
-          <a:bodyPr/>
+          <a:bodyPr>
+            <a:normAutofit fontScale="92500" lnSpcReduction="10000"/>
+          </a:bodyPr>
           <a:lstStyle/>
           <a:p>
             <a:pPr algn="l"/>
@@ -3935,20 +3966,130 @@
                 <a:solidFill>
                   <a:schemeClr val="tx1"/>
                 </a:solidFill>
+                <a:latin typeface="Times New Roman" pitchFamily="18" charset="0"/>
+                <a:cs typeface="Times New Roman" pitchFamily="18" charset="0"/>
               </a:rPr>
-              <a:t>Supervisor: </a:t>
+              <a:t>Supervisor:</a:t>
+            </a:r>
+            <a:r>
+              <a:rPr lang="en-US" b="1" dirty="0" smtClean="0">
+                <a:solidFill>
+                  <a:schemeClr val="tx1"/>
+                </a:solidFill>
+              </a:rPr>
+              <a:t> </a:t>
+            </a:r>
+            <a:endParaRPr lang="en-US" b="1" dirty="0" smtClean="0">
+              <a:solidFill>
+                <a:schemeClr val="tx1"/>
+              </a:solidFill>
+            </a:endParaRPr>
+          </a:p>
+          <a:p>
+            <a:pPr lvl="2" algn="l"/>
+            <a:r>
+              <a:rPr lang="en-US" b="1" dirty="0" smtClean="0">
+                <a:solidFill>
+                  <a:schemeClr val="tx1"/>
+                </a:solidFill>
+                <a:latin typeface="Times New Roman" pitchFamily="18" charset="0"/>
+                <a:cs typeface="Times New Roman" pitchFamily="18" charset="0"/>
+              </a:rPr>
+              <a:t>	</a:t>
+            </a:r>
+            <a:r>
+              <a:rPr lang="en-US" dirty="0" smtClean="0">
+                <a:solidFill>
+                  <a:schemeClr val="tx1"/>
+                </a:solidFill>
+                <a:latin typeface="Times New Roman" pitchFamily="18" charset="0"/>
+                <a:cs typeface="Times New Roman" pitchFamily="18" charset="0"/>
+              </a:rPr>
+              <a:t>Md</a:t>
+            </a:r>
+            <a:r>
+              <a:rPr lang="en-US" dirty="0" smtClean="0">
+                <a:solidFill>
+                  <a:schemeClr val="tx1"/>
+                </a:solidFill>
+                <a:latin typeface="Times New Roman" pitchFamily="18" charset="0"/>
+                <a:cs typeface="Times New Roman" pitchFamily="18" charset="0"/>
+              </a:rPr>
+              <a:t>. Nurul </a:t>
+            </a:r>
+            <a:r>
+              <a:rPr lang="en-US" dirty="0" err="1" smtClean="0">
+                <a:solidFill>
+                  <a:schemeClr val="tx1"/>
+                </a:solidFill>
+                <a:latin typeface="Times New Roman" pitchFamily="18" charset="0"/>
+                <a:cs typeface="Times New Roman" pitchFamily="18" charset="0"/>
+              </a:rPr>
+              <a:t>Ahad</a:t>
+            </a:r>
+            <a:r>
+              <a:rPr lang="en-US" dirty="0" smtClean="0">
+                <a:solidFill>
+                  <a:schemeClr val="tx1"/>
+                </a:solidFill>
+                <a:latin typeface="Times New Roman" pitchFamily="18" charset="0"/>
+                <a:cs typeface="Times New Roman" pitchFamily="18" charset="0"/>
+              </a:rPr>
+              <a:t> </a:t>
+            </a:r>
+            <a:r>
+              <a:rPr lang="en-US" dirty="0" err="1" smtClean="0">
+                <a:solidFill>
+                  <a:schemeClr val="tx1"/>
+                </a:solidFill>
+                <a:latin typeface="Times New Roman" pitchFamily="18" charset="0"/>
+                <a:cs typeface="Times New Roman" pitchFamily="18" charset="0"/>
+              </a:rPr>
+              <a:t>Tawhid</a:t>
+            </a:r>
+            <a:endParaRPr lang="en-US" dirty="0" smtClean="0">
+              <a:solidFill>
+                <a:schemeClr val="tx1"/>
+              </a:solidFill>
+              <a:latin typeface="Times New Roman" pitchFamily="18" charset="0"/>
+              <a:cs typeface="Times New Roman" pitchFamily="18" charset="0"/>
+            </a:endParaRPr>
+          </a:p>
+          <a:p>
+            <a:pPr lvl="2" algn="l"/>
+            <a:r>
+              <a:rPr lang="en-US" dirty="0" smtClean="0">
+                <a:solidFill>
+                  <a:schemeClr val="tx1"/>
+                </a:solidFill>
+                <a:latin typeface="Times New Roman" pitchFamily="18" charset="0"/>
+                <a:cs typeface="Times New Roman" pitchFamily="18" charset="0"/>
+              </a:rPr>
+              <a:t>	</a:t>
+            </a:r>
+            <a:r>
+              <a:rPr lang="en-US" dirty="0" smtClean="0">
+                <a:solidFill>
+                  <a:schemeClr val="tx1"/>
+                </a:solidFill>
+                <a:latin typeface="Times New Roman" pitchFamily="18" charset="0"/>
+                <a:cs typeface="Times New Roman" pitchFamily="18" charset="0"/>
+              </a:rPr>
+              <a:t>Assistant </a:t>
+            </a:r>
+            <a:r>
+              <a:rPr lang="en-US" dirty="0" smtClean="0">
+                <a:solidFill>
+                  <a:schemeClr val="tx1"/>
+                </a:solidFill>
+                <a:latin typeface="Times New Roman" pitchFamily="18" charset="0"/>
+                <a:cs typeface="Times New Roman" pitchFamily="18" charset="0"/>
+              </a:rPr>
+              <a:t>Professor</a:t>
             </a:r>
           </a:p>
           <a:p>
             <a:pPr algn="ctr"/>
-            <a:r>
-              <a:rPr lang="en-US" dirty="0" smtClean="0">
-                <a:solidFill>
-                  <a:schemeClr val="tx1"/>
-                </a:solidFill>
-              </a:rPr>
-              <a:t>Md. Nurul Ahad Tawhid</a:t>
-            </a:r>
             <a:endParaRPr lang="en-US" dirty="0" smtClean="0">
               <a:solidFill>
                 <a:schemeClr val="tx1"/>
@@ -3957,25 +4098,167 @@
           </a:p>
           <a:p>
             <a:pPr algn="ctr"/>
+            <a:endParaRPr lang="en-US" dirty="0" smtClean="0">
+              <a:solidFill>
+                <a:schemeClr val="tx1"/>
+              </a:solidFill>
+            </a:endParaRPr>
+          </a:p>
+          <a:p>
+            <a:pPr algn="l"/>
+            <a:r>
+              <a:rPr lang="en-US" b="1" dirty="0" smtClean="0">
+                <a:solidFill>
+                  <a:schemeClr val="tx1"/>
+                </a:solidFill>
+                <a:latin typeface="Times New Roman" pitchFamily="18" charset="0"/>
+                <a:cs typeface="Times New Roman" pitchFamily="18" charset="0"/>
+              </a:rPr>
+              <a:t>By:</a:t>
+            </a:r>
+          </a:p>
+          <a:p>
+            <a:pPr algn="l"/>
+            <a:r>
+              <a:rPr lang="en-US" b="1" dirty="0" smtClean="0">
+                <a:solidFill>
+                  <a:schemeClr val="tx1"/>
+                </a:solidFill>
+                <a:latin typeface="Times New Roman" pitchFamily="18" charset="0"/>
+                <a:cs typeface="Times New Roman" pitchFamily="18" charset="0"/>
+              </a:rPr>
+              <a:t>	</a:t>
+            </a:r>
+            <a:r>
+              <a:rPr lang="en-US" dirty="0" err="1" smtClean="0">
+                <a:solidFill>
+                  <a:schemeClr val="tx1"/>
+                </a:solidFill>
+                <a:latin typeface="Times New Roman" pitchFamily="18" charset="0"/>
+                <a:cs typeface="Times New Roman" pitchFamily="18" charset="0"/>
+              </a:rPr>
+              <a:t>Sudip</a:t>
+            </a:r>
             <a:r>
               <a:rPr lang="en-US" dirty="0" smtClean="0">
                 <a:solidFill>
                   <a:schemeClr val="tx1"/>
                 </a:solidFill>
+                <a:latin typeface="Times New Roman" pitchFamily="18" charset="0"/>
+                <a:cs typeface="Times New Roman" pitchFamily="18" charset="0"/>
               </a:rPr>
-              <a:t>Assistant Professor</a:t>
-            </a:r>
-          </a:p>
-          <a:p>
-            <a:pPr algn="ctr"/>
+              <a:t> Kumar </a:t>
+            </a:r>
+            <a:r>
+              <a:rPr lang="en-US" dirty="0" err="1" smtClean="0">
+                <a:solidFill>
+                  <a:schemeClr val="tx1"/>
+                </a:solidFill>
+                <a:latin typeface="Times New Roman" pitchFamily="18" charset="0"/>
+                <a:cs typeface="Times New Roman" pitchFamily="18" charset="0"/>
+              </a:rPr>
+              <a:t>Sah</a:t>
+            </a:r>
+            <a:endParaRPr lang="en-US" dirty="0" smtClean="0">
+              <a:solidFill>
+                <a:schemeClr val="tx1"/>
+              </a:solidFill>
+              <a:latin typeface="Times New Roman" pitchFamily="18" charset="0"/>
+              <a:cs typeface="Times New Roman" pitchFamily="18" charset="0"/>
+            </a:endParaRPr>
+          </a:p>
+          <a:p>
+            <a:pPr algn="l"/>
             <a:r>
               <a:rPr lang="en-US" dirty="0" smtClean="0">
                 <a:solidFill>
                   <a:schemeClr val="tx1"/>
                 </a:solidFill>
+                <a:latin typeface="Times New Roman" pitchFamily="18" charset="0"/>
+                <a:cs typeface="Times New Roman" pitchFamily="18" charset="0"/>
               </a:rPr>
-              <a:t>IIT,DU</a:t>
-            </a:r>
+              <a:t>	</a:t>
+            </a:r>
+            <a:r>
+              <a:rPr lang="en-US" dirty="0" smtClean="0">
+                <a:solidFill>
+                  <a:schemeClr val="tx1"/>
+                </a:solidFill>
+                <a:latin typeface="Times New Roman" pitchFamily="18" charset="0"/>
+                <a:cs typeface="Times New Roman" pitchFamily="18" charset="0"/>
+              </a:rPr>
+              <a:t>Roll#0934</a:t>
+            </a:r>
+          </a:p>
+          <a:p>
+            <a:pPr algn="l"/>
+            <a:r>
+              <a:rPr lang="en-US" b="1" dirty="0" smtClean="0">
+                <a:solidFill>
+                  <a:schemeClr val="tx1"/>
+                </a:solidFill>
+                <a:latin typeface="Times New Roman" pitchFamily="18" charset="0"/>
+                <a:cs typeface="Times New Roman" pitchFamily="18" charset="0"/>
+              </a:rPr>
+              <a:t>	</a:t>
+            </a:r>
+            <a:endParaRPr lang="en-US" b="1" dirty="0" smtClean="0">
+              <a:solidFill>
+                <a:schemeClr val="tx1"/>
+              </a:solidFill>
+              <a:latin typeface="Times New Roman" pitchFamily="18" charset="0"/>
+              <a:cs typeface="Times New Roman" pitchFamily="18" charset="0"/>
+            </a:endParaRPr>
+          </a:p>
+          <a:p>
+            <a:pPr algn="l"/>
+            <a:r>
+              <a:rPr lang="en-US" b="1" dirty="0" smtClean="0">
+                <a:solidFill>
+                  <a:schemeClr val="tx1"/>
+                </a:solidFill>
+                <a:latin typeface="Times New Roman" pitchFamily="18" charset="0"/>
+                <a:cs typeface="Times New Roman" pitchFamily="18" charset="0"/>
+              </a:rPr>
+              <a:t>	</a:t>
+            </a:r>
+            <a:r>
+              <a:rPr lang="en-US" b="1" dirty="0" smtClean="0">
+                <a:solidFill>
+                  <a:schemeClr val="tx1"/>
+                </a:solidFill>
+                <a:latin typeface="Times New Roman" pitchFamily="18" charset="0"/>
+                <a:cs typeface="Times New Roman" pitchFamily="18" charset="0"/>
+              </a:rPr>
+              <a:t>	</a:t>
+            </a:r>
+            <a:endParaRPr lang="en-US" b="1" dirty="0" smtClean="0">
+              <a:solidFill>
+                <a:schemeClr val="tx1"/>
+              </a:solidFill>
+              <a:latin typeface="Times New Roman" pitchFamily="18" charset="0"/>
+              <a:cs typeface="Times New Roman" pitchFamily="18" charset="0"/>
+            </a:endParaRPr>
+          </a:p>
+          <a:p>
+            <a:pPr algn="l"/>
+            <a:r>
+              <a:rPr lang="en-US" b="1" dirty="0" smtClean="0">
+                <a:solidFill>
+                  <a:schemeClr val="tx1"/>
+                </a:solidFill>
+                <a:latin typeface="Times New Roman" pitchFamily="18" charset="0"/>
+                <a:cs typeface="Times New Roman" pitchFamily="18" charset="0"/>
+              </a:rPr>
+              <a:t>	</a:t>
+            </a:r>
+            <a:endParaRPr lang="en-US" b="1" dirty="0" smtClean="0">
+              <a:solidFill>
+                <a:schemeClr val="tx1"/>
+              </a:solidFill>
+              <a:latin typeface="Times New Roman" pitchFamily="18" charset="0"/>
+              <a:cs typeface="Times New Roman" pitchFamily="18" charset="0"/>
+            </a:endParaRPr>
           </a:p>
         </p:txBody>
       </p:sp>
@@ -4023,14 +4306,15 @@
         </p:nvSpPr>
         <p:spPr>
           <a:xfrm>
-            <a:off x="609600" y="990600"/>
-            <a:ext cx="7772400" cy="1828800"/>
+            <a:off x="-457200" y="0"/>
+            <a:ext cx="8001000" cy="2362200"/>
           </a:xfrm>
         </p:spPr>
         <p:txBody>
           <a:bodyPr/>
           <a:lstStyle/>
           <a:p>
+            <a:pPr algn="ctr"/>
             <a:r>
               <a:rPr lang="en-US" dirty="0" smtClean="0"/>
               <a:t>Introduction</a:t>
@@ -4111,6 +4395,13 @@
   <p:clrMapOvr>
     <a:masterClrMapping/>
   </p:clrMapOvr>
+  <p:timing>
+    <p:tnLst>
+      <p:par>
+        <p:cTn id="1" dur="indefinite" restart="never" nodeType="tmRoot"/>
+      </p:par>
+    </p:tnLst>
+  </p:timing>
 </p:sld>
 </file>
 
@@ -4144,7 +4435,7 @@
         <p:spPr>
           <a:xfrm>
             <a:off x="457200" y="1219200"/>
-            <a:ext cx="8183880" cy="3962400"/>
+            <a:ext cx="8183880" cy="4876800"/>
           </a:xfrm>
         </p:spPr>
         <p:txBody>
@@ -4191,14 +4482,7 @@
                 <a:latin typeface="Times New Roman" pitchFamily="18" charset="0"/>
                 <a:cs typeface="Times New Roman" pitchFamily="18" charset="0"/>
               </a:rPr>
-              <a:t>	</a:t>
-            </a:r>
-            <a:r>
-              <a:rPr lang="en-US" dirty="0" smtClean="0">
-                <a:latin typeface="Times New Roman" pitchFamily="18" charset="0"/>
-                <a:cs typeface="Times New Roman" pitchFamily="18" charset="0"/>
-              </a:rPr>
-              <a:t>		The performance  of this project has a wide range like new student information will be added, finally results the total number of student’s record are updated. Search for certain student data results instant overall information stored .</a:t>
+              <a:t>			The performance  of this project has a wide range like new student information will be added, finally results the total number of student’s record are updated. Search for certain student data results instant overall information stored .</a:t>
             </a:r>
             <a:endParaRPr lang="en-US" dirty="0">
               <a:latin typeface="Times New Roman" pitchFamily="18" charset="0"/>
@@ -4212,6 +4496,13 @@
   <p:clrMapOvr>
     <a:masterClrMapping/>
   </p:clrMapOvr>
+  <p:timing>
+    <p:tnLst>
+      <p:par>
+        <p:cTn id="1" dur="indefinite" restart="never" nodeType="tmRoot"/>
+      </p:par>
+    </p:tnLst>
+  </p:timing>
 </p:sld>
 </file>
 
@@ -4234,23 +4525,1421 @@
       </p:grpSpPr>
       <p:sp>
         <p:nvSpPr>
+          <p:cNvPr id="3" name="Title 2"/>
+          <p:cNvSpPr>
+            <a:spLocks noGrp="1"/>
+          </p:cNvSpPr>
+          <p:nvPr>
+            <p:ph type="ctrTitle"/>
+          </p:nvPr>
+        </p:nvSpPr>
+        <p:spPr>
+          <a:xfrm>
+            <a:off x="838200" y="1371600"/>
+            <a:ext cx="7772400" cy="1828800"/>
+          </a:xfrm>
+        </p:spPr>
+        <p:txBody>
+          <a:bodyPr/>
+          <a:lstStyle/>
+          <a:p>
+            <a:r>
+              <a:rPr lang="en-US" dirty="0" smtClean="0"/>
+              <a:t>Objectives	 </a:t>
+            </a:r>
+            <a:endParaRPr lang="en-US" dirty="0"/>
+          </a:p>
+        </p:txBody>
+      </p:sp>
+      <p:sp>
+        <p:nvSpPr>
           <p:cNvPr id="8" name="Content Placeholder 7"/>
           <p:cNvSpPr>
             <a:spLocks noGrp="1"/>
           </p:cNvSpPr>
           <p:nvPr>
+            <p:ph type="subTitle" idx="1"/>
+          </p:nvPr>
+        </p:nvSpPr>
+        <p:spPr>
+          <a:xfrm>
+            <a:off x="722376" y="3685032"/>
+            <a:ext cx="7772400" cy="2715768"/>
+          </a:xfrm>
+        </p:spPr>
+        <p:txBody>
+          <a:bodyPr>
+            <a:normAutofit lnSpcReduction="10000"/>
+          </a:bodyPr>
+          <a:lstStyle/>
+          <a:p>
+            <a:pPr lvl="1" algn="l">
+              <a:buFont typeface="Wingdings" pitchFamily="2" charset="2"/>
+              <a:buChar char="v"/>
+            </a:pPr>
+            <a:r>
+              <a:rPr lang="en-US" dirty="0" smtClean="0">
+                <a:solidFill>
+                  <a:schemeClr val="tx1"/>
+                </a:solidFill>
+                <a:latin typeface="Times New Roman" pitchFamily="18" charset="0"/>
+                <a:cs typeface="Times New Roman" pitchFamily="18" charset="0"/>
+              </a:rPr>
+              <a:t>To reduce the irrelevant paper work in maintaining student’s information</a:t>
+            </a:r>
+            <a:r>
+              <a:rPr lang="en-US" dirty="0" smtClean="0">
+                <a:latin typeface="Times New Roman" pitchFamily="18" charset="0"/>
+                <a:cs typeface="Times New Roman" pitchFamily="18" charset="0"/>
+              </a:rPr>
+              <a:t>.</a:t>
+            </a:r>
+          </a:p>
+          <a:p>
+            <a:pPr lvl="1" algn="l">
+              <a:buFont typeface="Wingdings" pitchFamily="2" charset="2"/>
+              <a:buChar char="v"/>
+            </a:pPr>
+            <a:r>
+              <a:rPr lang="en-US" dirty="0" smtClean="0">
+                <a:solidFill>
+                  <a:schemeClr val="tx1"/>
+                </a:solidFill>
+                <a:latin typeface="Times New Roman" pitchFamily="18" charset="0"/>
+                <a:cs typeface="Times New Roman" pitchFamily="18" charset="0"/>
+              </a:rPr>
+              <a:t>Fast and convenient way to handle huge data.</a:t>
+            </a:r>
+          </a:p>
+          <a:p>
+            <a:pPr lvl="1" algn="l">
+              <a:buFont typeface="Wingdings" pitchFamily="2" charset="2"/>
+              <a:buChar char="v"/>
+            </a:pPr>
+            <a:r>
+              <a:rPr lang="en-US" dirty="0" smtClean="0">
+                <a:latin typeface="Times New Roman" pitchFamily="18" charset="0"/>
+                <a:cs typeface="Times New Roman" pitchFamily="18" charset="0"/>
+              </a:rPr>
+              <a:t>Maintains the database of the students in any educational organization across the globe.</a:t>
+            </a:r>
+          </a:p>
+          <a:p>
+            <a:pPr lvl="1" algn="l">
+              <a:buFont typeface="Wingdings" pitchFamily="2" charset="2"/>
+              <a:buChar char="v"/>
+            </a:pPr>
+            <a:r>
+              <a:rPr lang="en-US" dirty="0" smtClean="0">
+                <a:latin typeface="Times New Roman" pitchFamily="18" charset="0"/>
+                <a:cs typeface="Times New Roman" pitchFamily="18" charset="0"/>
+              </a:rPr>
+              <a:t>Instant response of overall information for particular student.</a:t>
+            </a:r>
+          </a:p>
+          <a:p>
+            <a:pPr lvl="1" algn="l">
+              <a:buFont typeface="Wingdings" pitchFamily="2" charset="2"/>
+              <a:buChar char="v"/>
+            </a:pPr>
+            <a:endParaRPr lang="en-US" dirty="0" smtClean="0">
+              <a:latin typeface="Times New Roman" pitchFamily="18" charset="0"/>
+              <a:cs typeface="Times New Roman" pitchFamily="18" charset="0"/>
+            </a:endParaRPr>
+          </a:p>
+          <a:p>
+            <a:pPr lvl="1" algn="l">
+              <a:buFont typeface="Wingdings" pitchFamily="2" charset="2"/>
+              <a:buChar char="v"/>
+            </a:pPr>
+            <a:endParaRPr lang="en-US" dirty="0" smtClean="0">
+              <a:solidFill>
+                <a:schemeClr val="tx1"/>
+              </a:solidFill>
+              <a:latin typeface="Times New Roman" pitchFamily="18" charset="0"/>
+              <a:cs typeface="Times New Roman" pitchFamily="18" charset="0"/>
+            </a:endParaRPr>
+          </a:p>
+          <a:p>
+            <a:pPr lvl="1" algn="l">
+              <a:buFont typeface="Wingdings" pitchFamily="2" charset="2"/>
+              <a:buChar char="v"/>
+            </a:pPr>
+            <a:endParaRPr lang="en-US" dirty="0" smtClean="0">
+              <a:solidFill>
+                <a:schemeClr val="tx1"/>
+              </a:solidFill>
+              <a:latin typeface="Times New Roman" pitchFamily="18" charset="0"/>
+              <a:cs typeface="Times New Roman" pitchFamily="18" charset="0"/>
+            </a:endParaRPr>
+          </a:p>
+          <a:p>
+            <a:pPr algn="l">
+              <a:buFont typeface="Wingdings" pitchFamily="2" charset="2"/>
+              <a:buChar char="v"/>
+            </a:pPr>
+            <a:endParaRPr lang="en-US" dirty="0" smtClean="0"/>
+          </a:p>
+          <a:p>
+            <a:pPr algn="l">
+              <a:buFont typeface="Wingdings" pitchFamily="2" charset="2"/>
+              <a:buChar char="v"/>
+            </a:pPr>
+            <a:endParaRPr lang="en-US" dirty="0"/>
+          </a:p>
+        </p:txBody>
+      </p:sp>
+    </p:spTree>
+  </p:cSld>
+  <p:clrMapOvr>
+    <a:masterClrMapping/>
+  </p:clrMapOvr>
+  <p:timing>
+    <p:tnLst>
+      <p:par>
+        <p:cTn id="1" dur="indefinite" restart="never" nodeType="tmRoot"/>
+      </p:par>
+    </p:tnLst>
+  </p:timing>
+</p:sld>
+</file>
+
+<file path=ppt/slides/slide5.xml><?xml version="1.0" encoding="utf-8"?>
+<p:sld xmlns:a="http://schemas.openxmlformats.org/drawingml/2006/main" xmlns:r="http://schemas.openxmlformats.org/officeDocument/2006/relationships" xmlns:p="http://schemas.openxmlformats.org/presentationml/2006/main">
+  <p:cSld>
+    <p:spTree>
+      <p:nvGrpSpPr>
+        <p:cNvPr id="1" name=""/>
+        <p:cNvGrpSpPr/>
+        <p:nvPr/>
+      </p:nvGrpSpPr>
+      <p:grpSpPr>
+        <a:xfrm>
+          <a:off x="0" y="0"/>
+          <a:ext cx="0" cy="0"/>
+          <a:chOff x="0" y="0"/>
+          <a:chExt cx="0" cy="0"/>
+        </a:xfrm>
+      </p:grpSpPr>
+      <p:sp>
+        <p:nvSpPr>
+          <p:cNvPr id="7" name="Content Placeholder 6"/>
+          <p:cNvSpPr>
+            <a:spLocks noGrp="1"/>
+          </p:cNvSpPr>
+          <p:nvPr>
             <p:ph idx="1"/>
           </p:nvPr>
         </p:nvSpPr>
+        <p:spPr>
+          <a:xfrm>
+            <a:off x="381000" y="381000"/>
+            <a:ext cx="8183880" cy="6099048"/>
+          </a:xfrm>
+        </p:spPr>
+        <p:txBody>
+          <a:bodyPr/>
+          <a:lstStyle/>
+          <a:p>
+            <a:r>
+              <a:rPr lang="en-US" dirty="0" smtClean="0"/>
+              <a:t>Work done so far</a:t>
+            </a:r>
+          </a:p>
+        </p:txBody>
+      </p:sp>
+      <p:sp>
+        <p:nvSpPr>
+          <p:cNvPr id="8" name="TextBox 7"/>
+          <p:cNvSpPr txBox="1"/>
+          <p:nvPr/>
+        </p:nvSpPr>
+        <p:spPr>
+          <a:xfrm>
+            <a:off x="3657600" y="1447800"/>
+            <a:ext cx="1371600" cy="369332"/>
+          </a:xfrm>
+          <a:prstGeom prst="rect">
+            <a:avLst/>
+          </a:prstGeom>
+          <a:noFill/>
+        </p:spPr>
+        <p:txBody>
+          <a:bodyPr wrap="square" rtlCol="0">
+            <a:spAutoFit/>
+          </a:bodyPr>
+          <a:lstStyle/>
+          <a:p>
+            <a:endParaRPr lang="en-US" dirty="0"/>
+          </a:p>
+        </p:txBody>
+      </p:sp>
+      <p:sp>
+        <p:nvSpPr>
+          <p:cNvPr id="12" name="Rounded Rectangle 11"/>
+          <p:cNvSpPr/>
+          <p:nvPr/>
+        </p:nvSpPr>
+        <p:spPr>
+          <a:xfrm>
+            <a:off x="533400" y="1447800"/>
+            <a:ext cx="1981200" cy="990600"/>
+          </a:xfrm>
+          <a:prstGeom prst="roundRect">
+            <a:avLst/>
+          </a:prstGeom>
+          <a:solidFill>
+            <a:schemeClr val="bg1"/>
+          </a:solidFill>
+        </p:spPr>
+        <p:style>
+          <a:lnRef idx="2">
+            <a:schemeClr val="accent1">
+              <a:shade val="50000"/>
+            </a:schemeClr>
+          </a:lnRef>
+          <a:fillRef idx="1">
+            <a:schemeClr val="accent1"/>
+          </a:fillRef>
+          <a:effectRef idx="0">
+            <a:schemeClr val="accent1"/>
+          </a:effectRef>
+          <a:fontRef idx="minor">
+            <a:schemeClr val="lt1"/>
+          </a:fontRef>
+        </p:style>
+        <p:txBody>
+          <a:bodyPr rtlCol="0" anchor="ctr"/>
+          <a:lstStyle/>
+          <a:p>
+            <a:pPr algn="ctr"/>
+            <a:r>
+              <a:rPr lang="en-US" dirty="0" smtClean="0">
+                <a:solidFill>
+                  <a:schemeClr val="tx1"/>
+                </a:solidFill>
+              </a:rPr>
+              <a:t> Student Information from console</a:t>
+            </a:r>
+            <a:endParaRPr lang="en-US" dirty="0">
+              <a:solidFill>
+                <a:schemeClr val="tx1"/>
+              </a:solidFill>
+            </a:endParaRPr>
+          </a:p>
+        </p:txBody>
+      </p:sp>
+      <p:sp>
+        <p:nvSpPr>
+          <p:cNvPr id="15" name="Rounded Rectangle 14"/>
+          <p:cNvSpPr/>
+          <p:nvPr/>
+        </p:nvSpPr>
+        <p:spPr>
+          <a:xfrm>
+            <a:off x="7086600" y="1219200"/>
+            <a:ext cx="1524000" cy="914400"/>
+          </a:xfrm>
+          <a:prstGeom prst="roundRect">
+            <a:avLst/>
+          </a:prstGeom>
+          <a:solidFill>
+            <a:schemeClr val="bg1"/>
+          </a:solidFill>
+        </p:spPr>
+        <p:style>
+          <a:lnRef idx="2">
+            <a:schemeClr val="accent1">
+              <a:shade val="50000"/>
+            </a:schemeClr>
+          </a:lnRef>
+          <a:fillRef idx="1">
+            <a:schemeClr val="accent1"/>
+          </a:fillRef>
+          <a:effectRef idx="0">
+            <a:schemeClr val="accent1"/>
+          </a:effectRef>
+          <a:fontRef idx="minor">
+            <a:schemeClr val="lt1"/>
+          </a:fontRef>
+        </p:style>
+        <p:txBody>
+          <a:bodyPr rtlCol="0" anchor="ctr"/>
+          <a:lstStyle/>
+          <a:p>
+            <a:pPr algn="ctr"/>
+            <a:r>
+              <a:rPr lang="en-US" dirty="0" smtClean="0">
+                <a:solidFill>
+                  <a:schemeClr val="tx1"/>
+                </a:solidFill>
+              </a:rPr>
+              <a:t>Output On Console</a:t>
+            </a:r>
+            <a:endParaRPr lang="en-US" dirty="0">
+              <a:solidFill>
+                <a:schemeClr val="tx1"/>
+              </a:solidFill>
+            </a:endParaRPr>
+          </a:p>
+        </p:txBody>
+      </p:sp>
+      <p:sp>
+        <p:nvSpPr>
+          <p:cNvPr id="16" name="Rounded Rectangle 15"/>
+          <p:cNvSpPr/>
+          <p:nvPr/>
+        </p:nvSpPr>
+        <p:spPr>
+          <a:xfrm>
+            <a:off x="3810000" y="3124200"/>
+            <a:ext cx="1828800" cy="914400"/>
+          </a:xfrm>
+          <a:prstGeom prst="roundRect">
+            <a:avLst/>
+          </a:prstGeom>
+          <a:solidFill>
+            <a:schemeClr val="bg1"/>
+          </a:solidFill>
+        </p:spPr>
+        <p:style>
+          <a:lnRef idx="2">
+            <a:schemeClr val="accent1">
+              <a:shade val="50000"/>
+            </a:schemeClr>
+          </a:lnRef>
+          <a:fillRef idx="1">
+            <a:schemeClr val="accent1"/>
+          </a:fillRef>
+          <a:effectRef idx="0">
+            <a:schemeClr val="accent1"/>
+          </a:effectRef>
+          <a:fontRef idx="minor">
+            <a:schemeClr val="lt1"/>
+          </a:fontRef>
+        </p:style>
+        <p:txBody>
+          <a:bodyPr rtlCol="0" anchor="ctr"/>
+          <a:lstStyle/>
+          <a:p>
+            <a:pPr algn="ctr"/>
+            <a:r>
+              <a:rPr lang="en-US" dirty="0" smtClean="0">
+                <a:solidFill>
+                  <a:schemeClr val="tx1"/>
+                </a:solidFill>
+              </a:rPr>
+              <a:t>Text File</a:t>
+            </a:r>
+            <a:endParaRPr lang="en-US" dirty="0">
+              <a:solidFill>
+                <a:schemeClr val="tx1"/>
+              </a:solidFill>
+            </a:endParaRPr>
+          </a:p>
+        </p:txBody>
+      </p:sp>
+      <p:cxnSp>
+        <p:nvCxnSpPr>
+          <p:cNvPr id="18" name="Shape 17"/>
+          <p:cNvCxnSpPr>
+            <a:stCxn id="12" idx="2"/>
+            <a:endCxn id="16" idx="1"/>
+          </p:cNvCxnSpPr>
+          <p:nvPr/>
+        </p:nvCxnSpPr>
+        <p:spPr>
+          <a:xfrm rot="16200000" flipH="1">
+            <a:off x="2095500" y="1866900"/>
+            <a:ext cx="1143000" cy="2286000"/>
+          </a:xfrm>
+          <a:prstGeom prst="bentConnector2">
+            <a:avLst/>
+          </a:prstGeom>
+          <a:ln>
+            <a:tailEnd type="arrow"/>
+          </a:ln>
+        </p:spPr>
+        <p:style>
+          <a:lnRef idx="1">
+            <a:schemeClr val="accent1"/>
+          </a:lnRef>
+          <a:fillRef idx="0">
+            <a:schemeClr val="accent1"/>
+          </a:fillRef>
+          <a:effectRef idx="0">
+            <a:schemeClr val="accent1"/>
+          </a:effectRef>
+          <a:fontRef idx="minor">
+            <a:schemeClr val="tx1"/>
+          </a:fontRef>
+        </p:style>
+      </p:cxnSp>
+      <p:sp>
+        <p:nvSpPr>
+          <p:cNvPr id="25" name="Oval 24"/>
+          <p:cNvSpPr/>
+          <p:nvPr/>
+        </p:nvSpPr>
+        <p:spPr>
+          <a:xfrm>
+            <a:off x="533400" y="4953000"/>
+            <a:ext cx="1828800" cy="914400"/>
+          </a:xfrm>
+          <a:prstGeom prst="ellipse">
+            <a:avLst/>
+          </a:prstGeom>
+          <a:solidFill>
+            <a:schemeClr val="bg1"/>
+          </a:solidFill>
+        </p:spPr>
+        <p:style>
+          <a:lnRef idx="2">
+            <a:schemeClr val="accent1">
+              <a:shade val="50000"/>
+            </a:schemeClr>
+          </a:lnRef>
+          <a:fillRef idx="1">
+            <a:schemeClr val="accent1"/>
+          </a:fillRef>
+          <a:effectRef idx="0">
+            <a:schemeClr val="accent1"/>
+          </a:effectRef>
+          <a:fontRef idx="minor">
+            <a:schemeClr val="lt1"/>
+          </a:fontRef>
+        </p:style>
+        <p:txBody>
+          <a:bodyPr rtlCol="0" anchor="ctr"/>
+          <a:lstStyle/>
+          <a:p>
+            <a:pPr algn="ctr"/>
+            <a:r>
+              <a:rPr lang="en-US" dirty="0" smtClean="0">
+                <a:solidFill>
+                  <a:schemeClr val="tx1"/>
+                </a:solidFill>
+              </a:rPr>
+              <a:t>New Student Record</a:t>
+            </a:r>
+            <a:endParaRPr lang="en-US" dirty="0">
+              <a:solidFill>
+                <a:schemeClr val="tx1"/>
+              </a:solidFill>
+            </a:endParaRPr>
+          </a:p>
+        </p:txBody>
+      </p:sp>
+      <p:cxnSp>
+        <p:nvCxnSpPr>
+          <p:cNvPr id="27" name="Shape 26"/>
+          <p:cNvCxnSpPr>
+            <a:stCxn id="25" idx="6"/>
+            <a:endCxn id="16" idx="2"/>
+          </p:cNvCxnSpPr>
+          <p:nvPr/>
+        </p:nvCxnSpPr>
+        <p:spPr>
+          <a:xfrm flipV="1">
+            <a:off x="2362200" y="4038600"/>
+            <a:ext cx="2362200" cy="1371600"/>
+          </a:xfrm>
+          <a:prstGeom prst="bentConnector2">
+            <a:avLst/>
+          </a:prstGeom>
+          <a:ln>
+            <a:tailEnd type="arrow"/>
+          </a:ln>
+        </p:spPr>
+        <p:style>
+          <a:lnRef idx="1">
+            <a:schemeClr val="accent1"/>
+          </a:lnRef>
+          <a:fillRef idx="0">
+            <a:schemeClr val="accent1"/>
+          </a:fillRef>
+          <a:effectRef idx="0">
+            <a:schemeClr val="accent1"/>
+          </a:effectRef>
+          <a:fontRef idx="minor">
+            <a:schemeClr val="tx1"/>
+          </a:fontRef>
+        </p:style>
+      </p:cxnSp>
+      <p:sp>
+        <p:nvSpPr>
+          <p:cNvPr id="29" name="Rounded Rectangular Callout 28"/>
+          <p:cNvSpPr/>
+          <p:nvPr/>
+        </p:nvSpPr>
+        <p:spPr>
+          <a:xfrm>
+            <a:off x="2667000" y="4876800"/>
+            <a:ext cx="1143000" cy="457200"/>
+          </a:xfrm>
+          <a:prstGeom prst="wedgeRoundRectCallout">
+            <a:avLst/>
+          </a:prstGeom>
+          <a:solidFill>
+            <a:schemeClr val="bg1"/>
+          </a:solidFill>
+        </p:spPr>
+        <p:style>
+          <a:lnRef idx="2">
+            <a:schemeClr val="accent1">
+              <a:shade val="50000"/>
+            </a:schemeClr>
+          </a:lnRef>
+          <a:fillRef idx="1">
+            <a:schemeClr val="accent1"/>
+          </a:fillRef>
+          <a:effectRef idx="0">
+            <a:schemeClr val="accent1"/>
+          </a:effectRef>
+          <a:fontRef idx="minor">
+            <a:schemeClr val="lt1"/>
+          </a:fontRef>
+        </p:style>
+        <p:txBody>
+          <a:bodyPr rtlCol="0" anchor="ctr"/>
+          <a:lstStyle/>
+          <a:p>
+            <a:pPr algn="ctr"/>
+            <a:r>
+              <a:rPr lang="en-US" dirty="0" smtClean="0">
+                <a:solidFill>
+                  <a:schemeClr val="tx1"/>
+                </a:solidFill>
+              </a:rPr>
+              <a:t>Append</a:t>
+            </a:r>
+            <a:endParaRPr lang="en-US" dirty="0">
+              <a:solidFill>
+                <a:schemeClr val="tx1"/>
+              </a:solidFill>
+            </a:endParaRPr>
+          </a:p>
+        </p:txBody>
+      </p:sp>
+      <p:sp>
+        <p:nvSpPr>
+          <p:cNvPr id="31" name="Oval 30"/>
+          <p:cNvSpPr/>
+          <p:nvPr/>
+        </p:nvSpPr>
+        <p:spPr>
+          <a:xfrm>
+            <a:off x="6705600" y="4953000"/>
+            <a:ext cx="1905000" cy="914400"/>
+          </a:xfrm>
+          <a:prstGeom prst="ellipse">
+            <a:avLst/>
+          </a:prstGeom>
+          <a:solidFill>
+            <a:schemeClr val="bg1"/>
+          </a:solidFill>
+        </p:spPr>
+        <p:style>
+          <a:lnRef idx="2">
+            <a:schemeClr val="accent1">
+              <a:shade val="50000"/>
+            </a:schemeClr>
+          </a:lnRef>
+          <a:fillRef idx="1">
+            <a:schemeClr val="accent1"/>
+          </a:fillRef>
+          <a:effectRef idx="0">
+            <a:schemeClr val="accent1"/>
+          </a:effectRef>
+          <a:fontRef idx="minor">
+            <a:schemeClr val="lt1"/>
+          </a:fontRef>
+        </p:style>
+        <p:txBody>
+          <a:bodyPr rtlCol="0" anchor="ctr"/>
+          <a:lstStyle/>
+          <a:p>
+            <a:pPr algn="ctr"/>
+            <a:r>
+              <a:rPr lang="en-US" dirty="0" smtClean="0">
+                <a:solidFill>
+                  <a:schemeClr val="tx1"/>
+                </a:solidFill>
+              </a:rPr>
+              <a:t>Search By Students Roll#</a:t>
+            </a:r>
+            <a:endParaRPr lang="en-US" dirty="0">
+              <a:solidFill>
+                <a:schemeClr val="tx1"/>
+              </a:solidFill>
+            </a:endParaRPr>
+          </a:p>
+        </p:txBody>
+      </p:sp>
+      <p:cxnSp>
+        <p:nvCxnSpPr>
+          <p:cNvPr id="47" name="Elbow Connector 46"/>
+          <p:cNvCxnSpPr>
+            <a:stCxn id="16" idx="3"/>
+            <a:endCxn id="31" idx="2"/>
+          </p:cNvCxnSpPr>
+          <p:nvPr/>
+        </p:nvCxnSpPr>
+        <p:spPr>
+          <a:xfrm>
+            <a:off x="5638800" y="3581400"/>
+            <a:ext cx="1066800" cy="1828800"/>
+          </a:xfrm>
+          <a:prstGeom prst="bentConnector3">
+            <a:avLst>
+              <a:gd name="adj1" fmla="val 50000"/>
+            </a:avLst>
+          </a:prstGeom>
+          <a:ln>
+            <a:tailEnd type="arrow"/>
+          </a:ln>
+        </p:spPr>
+        <p:style>
+          <a:lnRef idx="1">
+            <a:schemeClr val="accent1"/>
+          </a:lnRef>
+          <a:fillRef idx="0">
+            <a:schemeClr val="accent1"/>
+          </a:fillRef>
+          <a:effectRef idx="0">
+            <a:schemeClr val="accent1"/>
+          </a:effectRef>
+          <a:fontRef idx="minor">
+            <a:schemeClr val="tx1"/>
+          </a:fontRef>
+        </p:style>
+      </p:cxnSp>
+      <p:sp>
+        <p:nvSpPr>
+          <p:cNvPr id="57" name="Oval 56"/>
+          <p:cNvSpPr/>
+          <p:nvPr/>
+        </p:nvSpPr>
+        <p:spPr>
+          <a:xfrm>
+            <a:off x="3581400" y="1066800"/>
+            <a:ext cx="1905000" cy="914400"/>
+          </a:xfrm>
+          <a:prstGeom prst="ellipse">
+            <a:avLst/>
+          </a:prstGeom>
+          <a:solidFill>
+            <a:schemeClr val="bg1"/>
+          </a:solidFill>
+        </p:spPr>
+        <p:style>
+          <a:lnRef idx="2">
+            <a:schemeClr val="accent1">
+              <a:shade val="50000"/>
+            </a:schemeClr>
+          </a:lnRef>
+          <a:fillRef idx="1">
+            <a:schemeClr val="accent1"/>
+          </a:fillRef>
+          <a:effectRef idx="0">
+            <a:schemeClr val="accent1"/>
+          </a:effectRef>
+          <a:fontRef idx="minor">
+            <a:schemeClr val="lt1"/>
+          </a:fontRef>
+        </p:style>
+        <p:txBody>
+          <a:bodyPr rtlCol="0" anchor="ctr"/>
+          <a:lstStyle/>
+          <a:p>
+            <a:pPr algn="ctr"/>
+            <a:r>
+              <a:rPr lang="en-US" dirty="0" smtClean="0">
+                <a:solidFill>
+                  <a:schemeClr val="tx1"/>
+                </a:solidFill>
+              </a:rPr>
+              <a:t>Display All records</a:t>
+            </a:r>
+            <a:endParaRPr lang="en-US" dirty="0">
+              <a:solidFill>
+                <a:schemeClr val="tx1"/>
+              </a:solidFill>
+            </a:endParaRPr>
+          </a:p>
+        </p:txBody>
+      </p:sp>
+      <p:cxnSp>
+        <p:nvCxnSpPr>
+          <p:cNvPr id="74" name="Elbow Connector 73"/>
+          <p:cNvCxnSpPr>
+            <a:stCxn id="57" idx="6"/>
+            <a:endCxn id="15" idx="1"/>
+          </p:cNvCxnSpPr>
+          <p:nvPr/>
+        </p:nvCxnSpPr>
+        <p:spPr>
+          <a:xfrm>
+            <a:off x="5486400" y="1524000"/>
+            <a:ext cx="1600200" cy="152400"/>
+          </a:xfrm>
+          <a:prstGeom prst="bentConnector3">
+            <a:avLst>
+              <a:gd name="adj1" fmla="val 50000"/>
+            </a:avLst>
+          </a:prstGeom>
+          <a:ln>
+            <a:tailEnd type="arrow"/>
+          </a:ln>
+        </p:spPr>
+        <p:style>
+          <a:lnRef idx="1">
+            <a:schemeClr val="accent1"/>
+          </a:lnRef>
+          <a:fillRef idx="0">
+            <a:schemeClr val="accent1"/>
+          </a:fillRef>
+          <a:effectRef idx="0">
+            <a:schemeClr val="accent1"/>
+          </a:effectRef>
+          <a:fontRef idx="minor">
+            <a:schemeClr val="tx1"/>
+          </a:fontRef>
+        </p:style>
+      </p:cxnSp>
+      <p:cxnSp>
+        <p:nvCxnSpPr>
+          <p:cNvPr id="78" name="Elbow Connector 77"/>
+          <p:cNvCxnSpPr>
+            <a:stCxn id="16" idx="0"/>
+            <a:endCxn id="57" idx="4"/>
+          </p:cNvCxnSpPr>
+          <p:nvPr/>
+        </p:nvCxnSpPr>
+        <p:spPr>
+          <a:xfrm rot="16200000" flipV="1">
+            <a:off x="4057650" y="2457450"/>
+            <a:ext cx="1143000" cy="190500"/>
+          </a:xfrm>
+          <a:prstGeom prst="bentConnector3">
+            <a:avLst>
+              <a:gd name="adj1" fmla="val 50000"/>
+            </a:avLst>
+          </a:prstGeom>
+          <a:ln>
+            <a:tailEnd type="arrow"/>
+          </a:ln>
+        </p:spPr>
+        <p:style>
+          <a:lnRef idx="1">
+            <a:schemeClr val="accent1"/>
+          </a:lnRef>
+          <a:fillRef idx="0">
+            <a:schemeClr val="accent1"/>
+          </a:fillRef>
+          <a:effectRef idx="0">
+            <a:schemeClr val="accent1"/>
+          </a:effectRef>
+          <a:fontRef idx="minor">
+            <a:schemeClr val="tx1"/>
+          </a:fontRef>
+        </p:style>
+      </p:cxnSp>
+      <p:cxnSp>
+        <p:nvCxnSpPr>
+          <p:cNvPr id="80" name="Elbow Connector 79"/>
+          <p:cNvCxnSpPr>
+            <a:stCxn id="31" idx="0"/>
+            <a:endCxn id="15" idx="2"/>
+          </p:cNvCxnSpPr>
+          <p:nvPr/>
+        </p:nvCxnSpPr>
+        <p:spPr>
+          <a:xfrm rot="5400000" flipH="1" flipV="1">
+            <a:off x="6343650" y="3448050"/>
+            <a:ext cx="2819400" cy="190500"/>
+          </a:xfrm>
+          <a:prstGeom prst="bentConnector3">
+            <a:avLst>
+              <a:gd name="adj1" fmla="val 50000"/>
+            </a:avLst>
+          </a:prstGeom>
+          <a:ln>
+            <a:tailEnd type="arrow"/>
+          </a:ln>
+        </p:spPr>
+        <p:style>
+          <a:lnRef idx="1">
+            <a:schemeClr val="accent1"/>
+          </a:lnRef>
+          <a:fillRef idx="0">
+            <a:schemeClr val="accent1"/>
+          </a:fillRef>
+          <a:effectRef idx="0">
+            <a:schemeClr val="accent1"/>
+          </a:effectRef>
+          <a:fontRef idx="minor">
+            <a:schemeClr val="tx1"/>
+          </a:fontRef>
+        </p:style>
+      </p:cxnSp>
+    </p:spTree>
+  </p:cSld>
+  <p:clrMapOvr>
+    <a:masterClrMapping/>
+  </p:clrMapOvr>
+  <p:timing>
+    <p:tnLst>
+      <p:par>
+        <p:cTn id="1" dur="indefinite" restart="never" nodeType="tmRoot"/>
+      </p:par>
+    </p:tnLst>
+  </p:timing>
+</p:sld>
+</file>
+
+<file path=ppt/slides/slide6.xml><?xml version="1.0" encoding="utf-8"?>
+<p:sld xmlns:a="http://schemas.openxmlformats.org/drawingml/2006/main" xmlns:r="http://schemas.openxmlformats.org/officeDocument/2006/relationships" xmlns:p="http://schemas.openxmlformats.org/presentationml/2006/main">
+  <p:cSld>
+    <p:spTree>
+      <p:nvGrpSpPr>
+        <p:cNvPr id="1" name=""/>
+        <p:cNvGrpSpPr/>
+        <p:nvPr/>
+      </p:nvGrpSpPr>
+      <p:grpSpPr>
+        <a:xfrm>
+          <a:off x="0" y="0"/>
+          <a:ext cx="0" cy="0"/>
+          <a:chOff x="0" y="0"/>
+          <a:chExt cx="0" cy="0"/>
+        </a:xfrm>
+      </p:grpSpPr>
+      <p:sp>
+        <p:nvSpPr>
+          <p:cNvPr id="5" name="Title 4"/>
+          <p:cNvSpPr>
+            <a:spLocks noGrp="1"/>
+          </p:cNvSpPr>
+          <p:nvPr>
+            <p:ph type="ctrTitle"/>
+          </p:nvPr>
+        </p:nvSpPr>
+        <p:spPr>
+          <a:xfrm>
+            <a:off x="838200" y="1600200"/>
+            <a:ext cx="7772400" cy="1828800"/>
+          </a:xfrm>
+        </p:spPr>
+        <p:txBody>
+          <a:bodyPr>
+            <a:normAutofit fontScale="90000"/>
+          </a:bodyPr>
+          <a:lstStyle/>
+          <a:p>
+            <a:r>
+              <a:rPr lang="en-US" dirty="0" smtClean="0"/>
+              <a:t/>
+            </a:r>
+            <a:br>
+              <a:rPr lang="en-US" dirty="0" smtClean="0"/>
+            </a:br>
+            <a:r>
+              <a:rPr lang="en-US" dirty="0" smtClean="0"/>
+              <a:t/>
+            </a:r>
+            <a:br>
+              <a:rPr lang="en-US" dirty="0" smtClean="0"/>
+            </a:br>
+            <a:r>
+              <a:rPr lang="en-US" dirty="0" smtClean="0"/>
+              <a:t/>
+            </a:r>
+            <a:br>
+              <a:rPr lang="en-US" dirty="0" smtClean="0"/>
+            </a:br>
+            <a:r>
+              <a:rPr lang="en-US" dirty="0" smtClean="0"/>
+              <a:t/>
+            </a:r>
+            <a:br>
+              <a:rPr lang="en-US" dirty="0" smtClean="0"/>
+            </a:br>
+            <a:r>
+              <a:rPr lang="en-US" dirty="0" smtClean="0"/>
+              <a:t/>
+            </a:r>
+            <a:br>
+              <a:rPr lang="en-US" dirty="0" smtClean="0"/>
+            </a:br>
+            <a:r>
+              <a:rPr lang="en-US" dirty="0" smtClean="0"/>
+              <a:t/>
+            </a:r>
+            <a:br>
+              <a:rPr lang="en-US" dirty="0" smtClean="0"/>
+            </a:br>
+            <a:r>
+              <a:rPr lang="en-US" dirty="0" smtClean="0"/>
+              <a:t/>
+            </a:r>
+            <a:br>
+              <a:rPr lang="en-US" dirty="0" smtClean="0"/>
+            </a:br>
+            <a:r>
+              <a:rPr lang="en-US" dirty="0" smtClean="0"/>
+              <a:t/>
+            </a:r>
+            <a:br>
+              <a:rPr lang="en-US" dirty="0" smtClean="0"/>
+            </a:br>
+            <a:r>
+              <a:rPr lang="en-US" dirty="0" smtClean="0"/>
+              <a:t/>
+            </a:r>
+            <a:br>
+              <a:rPr lang="en-US" dirty="0" smtClean="0"/>
+            </a:br>
+            <a:r>
+              <a:rPr lang="en-US" dirty="0" smtClean="0"/>
+              <a:t/>
+            </a:r>
+            <a:br>
+              <a:rPr lang="en-US" dirty="0" smtClean="0"/>
+            </a:br>
+            <a:r>
+              <a:rPr lang="en-US" dirty="0" smtClean="0"/>
+              <a:t/>
+            </a:r>
+            <a:br>
+              <a:rPr lang="en-US" dirty="0" smtClean="0"/>
+            </a:br>
+            <a:r>
+              <a:rPr lang="en-US" dirty="0" smtClean="0"/>
+              <a:t>Rest </a:t>
+            </a:r>
+            <a:r>
+              <a:rPr lang="en-US" dirty="0" smtClean="0"/>
+              <a:t>of operation on Student </a:t>
+            </a:r>
+            <a:r>
+              <a:rPr lang="en-US" dirty="0" smtClean="0"/>
+              <a:t>Record</a:t>
+            </a:r>
+            <a:br>
+              <a:rPr lang="en-US" dirty="0" smtClean="0"/>
+            </a:br>
+            <a:endParaRPr lang="en-US" dirty="0"/>
+          </a:p>
+        </p:txBody>
+      </p:sp>
+      <p:sp>
+        <p:nvSpPr>
+          <p:cNvPr id="3" name="Content Placeholder 2"/>
+          <p:cNvSpPr>
+            <a:spLocks noGrp="1"/>
+          </p:cNvSpPr>
+          <p:nvPr>
+            <p:ph type="subTitle" idx="1"/>
+          </p:nvPr>
+        </p:nvSpPr>
+        <p:spPr>
+          <a:xfrm>
+            <a:off x="722376" y="3685032"/>
+            <a:ext cx="7772400" cy="2334768"/>
+          </a:xfrm>
+        </p:spPr>
+        <p:txBody>
+          <a:bodyPr/>
+          <a:lstStyle/>
+          <a:p>
+            <a:pPr algn="l"/>
+            <a:r>
+              <a:rPr lang="en-US" sz="2400" b="1" u="sng" dirty="0" smtClean="0">
+                <a:solidFill>
+                  <a:schemeClr val="tx1"/>
+                </a:solidFill>
+              </a:rPr>
+              <a:t>What to do next</a:t>
+            </a:r>
+            <a:r>
+              <a:rPr lang="en-US" sz="2400" dirty="0" smtClean="0"/>
+              <a:t/>
+            </a:r>
+            <a:br>
+              <a:rPr lang="en-US" sz="2400" dirty="0" smtClean="0"/>
+            </a:br>
+            <a:endParaRPr lang="en-US" sz="2400" dirty="0" smtClean="0">
+              <a:solidFill>
+                <a:schemeClr val="tx1"/>
+              </a:solidFill>
+              <a:latin typeface="Times New Roman" pitchFamily="18" charset="0"/>
+              <a:cs typeface="Times New Roman" pitchFamily="18" charset="0"/>
+            </a:endParaRPr>
+          </a:p>
+          <a:p>
+            <a:pPr algn="l">
+              <a:buFont typeface="Wingdings" pitchFamily="2" charset="2"/>
+              <a:buChar char="q"/>
+            </a:pPr>
+            <a:r>
+              <a:rPr lang="en-US" sz="2400" dirty="0" smtClean="0">
+                <a:solidFill>
+                  <a:schemeClr val="tx1"/>
+                </a:solidFill>
+                <a:latin typeface="Times New Roman" pitchFamily="18" charset="0"/>
+                <a:cs typeface="Times New Roman" pitchFamily="18" charset="0"/>
+              </a:rPr>
+              <a:t>Updating student’s particular information i.e. either in case of recorded wrong data or newly updated information like mobile numbers, address etc.</a:t>
+            </a:r>
+          </a:p>
+          <a:p>
+            <a:pPr algn="l">
+              <a:buFont typeface="Wingdings" pitchFamily="2" charset="2"/>
+              <a:buChar char="q"/>
+            </a:pPr>
+            <a:r>
+              <a:rPr lang="en-US" sz="2400" dirty="0" smtClean="0">
+                <a:solidFill>
+                  <a:schemeClr val="tx1"/>
+                </a:solidFill>
+                <a:latin typeface="Times New Roman" pitchFamily="18" charset="0"/>
+                <a:cs typeface="Times New Roman" pitchFamily="18" charset="0"/>
+              </a:rPr>
+              <a:t>Deleting records of particular student</a:t>
+            </a:r>
+            <a:r>
+              <a:rPr lang="en-US" sz="2400" dirty="0" smtClean="0">
+                <a:latin typeface="Times New Roman" pitchFamily="18" charset="0"/>
+                <a:cs typeface="Times New Roman" pitchFamily="18" charset="0"/>
+              </a:rPr>
+              <a:t>.</a:t>
+            </a:r>
+          </a:p>
+          <a:p>
+            <a:pPr algn="l"/>
+            <a:endParaRPr lang="en-US" dirty="0" smtClean="0"/>
+          </a:p>
+          <a:p>
+            <a:pPr>
+              <a:buFont typeface="Wingdings" pitchFamily="2" charset="2"/>
+              <a:buChar char="q"/>
+            </a:pPr>
+            <a:endParaRPr lang="en-US" dirty="0"/>
+          </a:p>
+        </p:txBody>
+      </p:sp>
+    </p:spTree>
+  </p:cSld>
+  <p:clrMapOvr>
+    <a:masterClrMapping/>
+  </p:clrMapOvr>
+</p:sld>
+</file>
+
+<file path=ppt/slides/slide7.xml><?xml version="1.0" encoding="utf-8"?>
+<p:sld xmlns:a="http://schemas.openxmlformats.org/drawingml/2006/main" xmlns:r="http://schemas.openxmlformats.org/officeDocument/2006/relationships" xmlns:p="http://schemas.openxmlformats.org/presentationml/2006/main">
+  <p:cSld>
+    <p:spTree>
+      <p:nvGrpSpPr>
+        <p:cNvPr id="1" name=""/>
+        <p:cNvGrpSpPr/>
+        <p:nvPr/>
+      </p:nvGrpSpPr>
+      <p:grpSpPr>
+        <a:xfrm>
+          <a:off x="0" y="0"/>
+          <a:ext cx="0" cy="0"/>
+          <a:chOff x="0" y="0"/>
+          <a:chExt cx="0" cy="0"/>
+        </a:xfrm>
+      </p:grpSpPr>
+      <p:sp>
+        <p:nvSpPr>
+          <p:cNvPr id="4" name="Title 3"/>
+          <p:cNvSpPr>
+            <a:spLocks noGrp="1"/>
+          </p:cNvSpPr>
+          <p:nvPr>
+            <p:ph type="ctrTitle"/>
+          </p:nvPr>
+        </p:nvSpPr>
+        <p:spPr>
+          <a:xfrm>
+            <a:off x="838200" y="1524000"/>
+            <a:ext cx="7772400" cy="1828800"/>
+          </a:xfrm>
+        </p:spPr>
+        <p:txBody>
+          <a:bodyPr/>
+          <a:lstStyle/>
+          <a:p>
+            <a:r>
+              <a:rPr lang="en-US" dirty="0" smtClean="0"/>
+              <a:t>Non-functional Requirements</a:t>
+            </a:r>
+            <a:endParaRPr lang="en-US" dirty="0"/>
+          </a:p>
+        </p:txBody>
+      </p:sp>
+      <p:sp>
+        <p:nvSpPr>
+          <p:cNvPr id="5" name="Subtitle 4"/>
+          <p:cNvSpPr>
+            <a:spLocks noGrp="1"/>
+          </p:cNvSpPr>
+          <p:nvPr>
+            <p:ph type="subTitle" idx="1"/>
+          </p:nvPr>
+        </p:nvSpPr>
+        <p:spPr>
+          <a:xfrm>
+            <a:off x="722376" y="3685032"/>
+            <a:ext cx="7772400" cy="2258568"/>
+          </a:xfrm>
+        </p:spPr>
+        <p:txBody>
+          <a:bodyPr>
+            <a:normAutofit/>
+          </a:bodyPr>
+          <a:lstStyle/>
+          <a:p>
+            <a:pPr algn="l">
+              <a:buFont typeface="Arial" pitchFamily="34" charset="0"/>
+              <a:buChar char="•"/>
+            </a:pPr>
+            <a:r>
+              <a:rPr lang="en-US" sz="2400" dirty="0" smtClean="0">
+                <a:solidFill>
+                  <a:schemeClr val="tx1"/>
+                </a:solidFill>
+                <a:latin typeface="Times New Roman" pitchFamily="18" charset="0"/>
+                <a:cs typeface="Times New Roman" pitchFamily="18" charset="0"/>
+              </a:rPr>
+              <a:t>To perform previous operation, user needs to authenticate with given username and password.</a:t>
+            </a:r>
+          </a:p>
+          <a:p>
+            <a:pPr algn="l">
+              <a:buFont typeface="Arial" pitchFamily="34" charset="0"/>
+              <a:buChar char="•"/>
+            </a:pPr>
+            <a:r>
+              <a:rPr lang="en-US" sz="2400" dirty="0" smtClean="0">
+                <a:solidFill>
+                  <a:schemeClr val="tx1"/>
+                </a:solidFill>
+                <a:latin typeface="Times New Roman" pitchFamily="18" charset="0"/>
+                <a:cs typeface="Times New Roman" pitchFamily="18" charset="0"/>
+              </a:rPr>
+              <a:t>Text color and font at console.</a:t>
+            </a:r>
+            <a:endParaRPr lang="en-US" sz="2400" dirty="0">
+              <a:solidFill>
+                <a:schemeClr val="tx1"/>
+              </a:solidFill>
+              <a:latin typeface="Times New Roman" pitchFamily="18" charset="0"/>
+              <a:cs typeface="Times New Roman" pitchFamily="18" charset="0"/>
+            </a:endParaRPr>
+          </a:p>
+        </p:txBody>
+      </p:sp>
+    </p:spTree>
+  </p:cSld>
+  <p:clrMapOvr>
+    <a:masterClrMapping/>
+  </p:clrMapOvr>
+</p:sld>
+</file>
+
+<file path=ppt/slides/slide8.xml><?xml version="1.0" encoding="utf-8"?>
+<p:sld xmlns:a="http://schemas.openxmlformats.org/drawingml/2006/main" xmlns:r="http://schemas.openxmlformats.org/officeDocument/2006/relationships" xmlns:p="http://schemas.openxmlformats.org/presentationml/2006/main">
+  <p:cSld>
+    <p:spTree>
+      <p:nvGrpSpPr>
+        <p:cNvPr id="1" name=""/>
+        <p:cNvGrpSpPr/>
+        <p:nvPr/>
+      </p:nvGrpSpPr>
+      <p:grpSpPr>
+        <a:xfrm>
+          <a:off x="0" y="0"/>
+          <a:ext cx="0" cy="0"/>
+          <a:chOff x="0" y="0"/>
+          <a:chExt cx="0" cy="0"/>
+        </a:xfrm>
+      </p:grpSpPr>
+      <p:sp>
+        <p:nvSpPr>
+          <p:cNvPr id="3" name="Content Placeholder 2"/>
+          <p:cNvSpPr>
+            <a:spLocks noGrp="1"/>
+          </p:cNvSpPr>
+          <p:nvPr>
+            <p:ph idx="1"/>
+          </p:nvPr>
+        </p:nvSpPr>
         <p:spPr/>
         <p:txBody>
-          <a:bodyPr/>
+          <a:bodyPr>
+            <a:normAutofit fontScale="92500" lnSpcReduction="10000"/>
+          </a:bodyPr>
           <a:lstStyle/>
           <a:p>
             <a:pPr>
               <a:buNone/>
             </a:pPr>
-            <a:endParaRPr lang="en-US"/>
+            <a:r>
+              <a:rPr lang="en-US" dirty="0" smtClean="0"/>
+              <a:t>Github Repository Link:</a:t>
+            </a:r>
+          </a:p>
+          <a:p>
+            <a:pPr>
+              <a:buNone/>
+            </a:pPr>
+            <a:r>
+              <a:rPr lang="en-US" dirty="0" smtClean="0">
+                <a:hlinkClick r:id="rId2"/>
+              </a:rPr>
+              <a:t>https://github.com/SudipKumarSah-0934/SPL-1/blob/master/Code1.c</a:t>
+            </a:r>
+            <a:endParaRPr lang="en-US" dirty="0" smtClean="0"/>
+          </a:p>
+          <a:p>
+            <a:pPr>
+              <a:buNone/>
+            </a:pPr>
+            <a:endParaRPr lang="en-US" dirty="0" smtClean="0"/>
+          </a:p>
+          <a:p>
+            <a:pPr>
+              <a:buNone/>
+            </a:pPr>
+            <a:endParaRPr lang="en-US" dirty="0" smtClean="0"/>
+          </a:p>
+          <a:p>
+            <a:pPr>
+              <a:buNone/>
+            </a:pPr>
+            <a:r>
+              <a:rPr lang="en-US" dirty="0" smtClean="0"/>
+              <a:t>References:</a:t>
+            </a:r>
+          </a:p>
+          <a:p>
+            <a:r>
+              <a:rPr lang="en-US" dirty="0" smtClean="0">
+                <a:hlinkClick r:id="rId3"/>
+              </a:rPr>
+              <a:t>https://www.slideshare.net/jarajana/student-management-systemstms</a:t>
+            </a:r>
+            <a:endParaRPr lang="en-US" dirty="0" smtClean="0"/>
+          </a:p>
+          <a:p>
+            <a:r>
+              <a:rPr lang="en-US" dirty="0" smtClean="0">
+                <a:hlinkClick r:id="rId4"/>
+              </a:rPr>
+              <a:t>https://www.slideshare.net/kumarrjv1/students-management-system</a:t>
+            </a:r>
+            <a:endParaRPr lang="en-US" dirty="0"/>
+          </a:p>
+        </p:txBody>
+      </p:sp>
+    </p:spTree>
+  </p:cSld>
+  <p:clrMapOvr>
+    <a:masterClrMapping/>
+  </p:clrMapOvr>
+  <p:timing>
+    <p:tnLst>
+      <p:par>
+        <p:cTn id="1" dur="indefinite" restart="never" nodeType="tmRoot"/>
+      </p:par>
+    </p:tnLst>
+  </p:timing>
+</p:sld>
+</file>
+
+<file path=ppt/slides/slide9.xml><?xml version="1.0" encoding="utf-8"?>
+<p:sld xmlns:a="http://schemas.openxmlformats.org/drawingml/2006/main" xmlns:r="http://schemas.openxmlformats.org/officeDocument/2006/relationships" xmlns:p="http://schemas.openxmlformats.org/presentationml/2006/main">
+  <p:cSld>
+    <p:spTree>
+      <p:nvGrpSpPr>
+        <p:cNvPr id="1" name=""/>
+        <p:cNvGrpSpPr/>
+        <p:nvPr/>
+      </p:nvGrpSpPr>
+      <p:grpSpPr>
+        <a:xfrm>
+          <a:off x="0" y="0"/>
+          <a:ext cx="0" cy="0"/>
+          <a:chOff x="0" y="0"/>
+          <a:chExt cx="0" cy="0"/>
+        </a:xfrm>
+      </p:grpSpPr>
+      <p:sp>
+        <p:nvSpPr>
+          <p:cNvPr id="3" name="Content Placeholder 2"/>
+          <p:cNvSpPr>
+            <a:spLocks noGrp="1"/>
+          </p:cNvSpPr>
+          <p:nvPr>
+            <p:ph idx="1"/>
+          </p:nvPr>
+        </p:nvSpPr>
+        <p:spPr/>
+        <p:txBody>
+          <a:bodyPr/>
+          <a:lstStyle/>
+          <a:p>
+            <a:pPr>
+              <a:buNone/>
+            </a:pPr>
+            <a:r>
+              <a:rPr lang="en-US" dirty="0" smtClean="0"/>
+              <a:t>							</a:t>
+            </a:r>
+          </a:p>
+          <a:p>
+            <a:pPr>
+              <a:buNone/>
+            </a:pPr>
+            <a:endParaRPr lang="en-US" dirty="0" smtClean="0"/>
+          </a:p>
+          <a:p>
+            <a:pPr>
+              <a:buNone/>
+            </a:pPr>
+            <a:endParaRPr lang="en-US" dirty="0" smtClean="0"/>
+          </a:p>
+          <a:p>
+            <a:pPr algn="ctr">
+              <a:buNone/>
+            </a:pPr>
+            <a:r>
+              <a:rPr lang="en-US" dirty="0" smtClean="0"/>
+              <a:t>	</a:t>
+            </a:r>
+            <a:r>
+              <a:rPr lang="en-US" dirty="0" smtClean="0"/>
+              <a:t>	</a:t>
+            </a:r>
+          </a:p>
+          <a:p>
+            <a:pPr algn="ctr">
+              <a:buNone/>
+            </a:pPr>
+            <a:r>
+              <a:rPr lang="en-US" sz="3600" b="1" dirty="0" smtClean="0">
+                <a:latin typeface="Arial Rounded MT Bold" pitchFamily="34" charset="0"/>
+              </a:rPr>
+              <a:t>Thank You!!!</a:t>
+            </a:r>
+            <a:endParaRPr lang="en-US" sz="3600" b="1" dirty="0">
+              <a:latin typeface="Arial Rounded MT Bold" pitchFamily="34" charset="0"/>
+            </a:endParaRPr>
           </a:p>
         </p:txBody>
       </p:sp>

--- a/presentation.pptx
+++ b/presentation.pptx
@@ -12,8 +12,10 @@
     <p:sldId id="260" r:id="rId6"/>
     <p:sldId id="261" r:id="rId7"/>
     <p:sldId id="262" r:id="rId8"/>
-    <p:sldId id="263" r:id="rId9"/>
-    <p:sldId id="264" r:id="rId10"/>
+    <p:sldId id="265" r:id="rId9"/>
+    <p:sldId id="266" r:id="rId10"/>
+    <p:sldId id="263" r:id="rId11"/>
+    <p:sldId id="264" r:id="rId12"/>
   </p:sldIdLst>
   <p:sldSz cx="9144000" cy="6858000" type="screen4x3"/>
   <p:notesSz cx="6858000" cy="9144000"/>
@@ -422,7 +424,7 @@
             <a:fld id="{00F1F0B1-11BD-4E7E-87EA-C2B2CF49105B}" type="datetimeFigureOut">
               <a:rPr lang="en-US" smtClean="0"/>
               <a:pPr/>
-              <a:t>3/13/2019</a:t>
+              <a:t>14/3/19</a:t>
             </a:fld>
             <a:endParaRPr lang="en-US"/>
           </a:p>
@@ -609,7 +611,7 @@
             <a:fld id="{00F1F0B1-11BD-4E7E-87EA-C2B2CF49105B}" type="datetimeFigureOut">
               <a:rPr lang="en-US" smtClean="0"/>
               <a:pPr/>
-              <a:t>3/13/2019</a:t>
+              <a:t>14/3/19</a:t>
             </a:fld>
             <a:endParaRPr lang="en-US"/>
           </a:p>
@@ -796,7 +798,7 @@
             <a:fld id="{00F1F0B1-11BD-4E7E-87EA-C2B2CF49105B}" type="datetimeFigureOut">
               <a:rPr lang="en-US" smtClean="0"/>
               <a:pPr/>
-              <a:t>3/13/2019</a:t>
+              <a:t>14/3/19</a:t>
             </a:fld>
             <a:endParaRPr lang="en-US"/>
           </a:p>
@@ -983,7 +985,7 @@
             <a:fld id="{00F1F0B1-11BD-4E7E-87EA-C2B2CF49105B}" type="datetimeFigureOut">
               <a:rPr lang="en-US" smtClean="0"/>
               <a:pPr/>
-              <a:t>3/13/2019</a:t>
+              <a:t>14/3/19</a:t>
             </a:fld>
             <a:endParaRPr lang="en-US"/>
           </a:p>
@@ -1366,7 +1368,7 @@
             <a:fld id="{00F1F0B1-11BD-4E7E-87EA-C2B2CF49105B}" type="datetimeFigureOut">
               <a:rPr lang="en-US" smtClean="0"/>
               <a:pPr/>
-              <a:t>3/13/2019</a:t>
+              <a:t>14/3/19</a:t>
             </a:fld>
             <a:endParaRPr lang="en-US"/>
           </a:p>
@@ -1637,7 +1639,7 @@
             <a:fld id="{00F1F0B1-11BD-4E7E-87EA-C2B2CF49105B}" type="datetimeFigureOut">
               <a:rPr lang="en-US" smtClean="0"/>
               <a:pPr/>
-              <a:t>3/13/2019</a:t>
+              <a:t>14/3/19</a:t>
             </a:fld>
             <a:endParaRPr lang="en-US"/>
           </a:p>
@@ -2024,7 +2026,7 @@
             <a:fld id="{00F1F0B1-11BD-4E7E-87EA-C2B2CF49105B}" type="datetimeFigureOut">
               <a:rPr lang="en-US" smtClean="0"/>
               <a:pPr/>
-              <a:t>3/13/2019</a:t>
+              <a:t>14/3/19</a:t>
             </a:fld>
             <a:endParaRPr lang="en-US"/>
           </a:p>
@@ -2147,7 +2149,7 @@
             <a:fld id="{00F1F0B1-11BD-4E7E-87EA-C2B2CF49105B}" type="datetimeFigureOut">
               <a:rPr lang="en-US" smtClean="0"/>
               <a:pPr/>
-              <a:t>3/13/2019</a:t>
+              <a:t>14/3/19</a:t>
             </a:fld>
             <a:endParaRPr lang="en-US"/>
           </a:p>
@@ -2329,7 +2331,7 @@
             <a:fld id="{00F1F0B1-11BD-4E7E-87EA-C2B2CF49105B}" type="datetimeFigureOut">
               <a:rPr lang="en-US" smtClean="0"/>
               <a:pPr/>
-              <a:t>3/13/2019</a:t>
+              <a:t>14/3/19</a:t>
             </a:fld>
             <a:endParaRPr lang="en-US"/>
           </a:p>
@@ -2665,7 +2667,7 @@
             <a:fld id="{00F1F0B1-11BD-4E7E-87EA-C2B2CF49105B}" type="datetimeFigureOut">
               <a:rPr lang="en-US" smtClean="0"/>
               <a:pPr/>
-              <a:t>3/13/2019</a:t>
+              <a:t>14/3/19</a:t>
             </a:fld>
             <a:endParaRPr lang="en-US"/>
           </a:p>
@@ -3036,7 +3038,7 @@
             <a:fld id="{00F1F0B1-11BD-4E7E-87EA-C2B2CF49105B}" type="datetimeFigureOut">
               <a:rPr lang="en-US" smtClean="0"/>
               <a:pPr/>
-              <a:t>3/13/2019</a:t>
+              <a:t>14/3/19</a:t>
             </a:fld>
             <a:endParaRPr lang="en-US"/>
           </a:p>
@@ -3456,7 +3458,7 @@
             <a:fld id="{00F1F0B1-11BD-4E7E-87EA-C2B2CF49105B}" type="datetimeFigureOut">
               <a:rPr lang="en-US" smtClean="0"/>
               <a:pPr/>
-              <a:t>3/13/2019</a:t>
+              <a:t>14/3/19</a:t>
             </a:fld>
             <a:endParaRPr lang="en-US"/>
           </a:p>
@@ -3979,11 +3981,6 @@
               </a:rPr>
               <a:t> </a:t>
             </a:r>
-            <a:endParaRPr lang="en-US" b="1" dirty="0" smtClean="0">
-              <a:solidFill>
-                <a:schemeClr val="tx1"/>
-              </a:solidFill>
-            </a:endParaRPr>
           </a:p>
           <a:p>
             <a:pPr lvl="2" algn="l"/>
@@ -4005,17 +4002,7 @@
                 <a:latin typeface="Times New Roman" pitchFamily="18" charset="0"/>
                 <a:cs typeface="Times New Roman" pitchFamily="18" charset="0"/>
               </a:rPr>
-              <a:t>Md</a:t>
-            </a:r>
-            <a:r>
-              <a:rPr lang="en-US" dirty="0" smtClean="0">
-                <a:solidFill>
-                  <a:schemeClr val="tx1"/>
-                </a:solidFill>
-                <a:latin typeface="Times New Roman" pitchFamily="18" charset="0"/>
-                <a:cs typeface="Times New Roman" pitchFamily="18" charset="0"/>
-              </a:rPr>
-              <a:t>. Nurul </a:t>
+              <a:t>Md. Nurul </a:t>
             </a:r>
             <a:r>
               <a:rPr lang="en-US" dirty="0" err="1" smtClean="0">
@@ -4065,27 +4052,7 @@
                 <a:latin typeface="Times New Roman" pitchFamily="18" charset="0"/>
                 <a:cs typeface="Times New Roman" pitchFamily="18" charset="0"/>
               </a:rPr>
-              <a:t>	</a:t>
-            </a:r>
-            <a:r>
-              <a:rPr lang="en-US" dirty="0" smtClean="0">
-                <a:solidFill>
-                  <a:schemeClr val="tx1"/>
-                </a:solidFill>
-                <a:latin typeface="Times New Roman" pitchFamily="18" charset="0"/>
-                <a:cs typeface="Times New Roman" pitchFamily="18" charset="0"/>
-              </a:rPr>
-              <a:t>Assistant </a:t>
-            </a:r>
-            <a:r>
-              <a:rPr lang="en-US" dirty="0" smtClean="0">
-                <a:solidFill>
-                  <a:schemeClr val="tx1"/>
-                </a:solidFill>
-                <a:latin typeface="Times New Roman" pitchFamily="18" charset="0"/>
-                <a:cs typeface="Times New Roman" pitchFamily="18" charset="0"/>
-              </a:rPr>
-              <a:t>Professor</a:t>
+              <a:t>	Assistant Professor</a:t>
             </a:r>
           </a:p>
           <a:p>
@@ -4177,17 +4144,7 @@
                 <a:latin typeface="Times New Roman" pitchFamily="18" charset="0"/>
                 <a:cs typeface="Times New Roman" pitchFamily="18" charset="0"/>
               </a:rPr>
-              <a:t>	</a:t>
-            </a:r>
-            <a:r>
-              <a:rPr lang="en-US" dirty="0" smtClean="0">
-                <a:solidFill>
-                  <a:schemeClr val="tx1"/>
-                </a:solidFill>
-                <a:latin typeface="Times New Roman" pitchFamily="18" charset="0"/>
-                <a:cs typeface="Times New Roman" pitchFamily="18" charset="0"/>
-              </a:rPr>
-              <a:t>Roll#0934</a:t>
+              <a:t>	Roll#0934</a:t>
             </a:r>
           </a:p>
           <a:p>
@@ -4202,13 +4159,19 @@
               </a:rPr>
               <a:t>	</a:t>
             </a:r>
-            <a:endParaRPr lang="en-US" b="1" dirty="0" smtClean="0">
-              <a:solidFill>
-                <a:schemeClr val="tx1"/>
-              </a:solidFill>
-              <a:latin typeface="Times New Roman" pitchFamily="18" charset="0"/>
-              <a:cs typeface="Times New Roman" pitchFamily="18" charset="0"/>
-            </a:endParaRPr>
+          </a:p>
+          <a:p>
+            <a:pPr algn="l"/>
+            <a:r>
+              <a:rPr lang="en-US" b="1" dirty="0" smtClean="0">
+                <a:solidFill>
+                  <a:schemeClr val="tx1"/>
+                </a:solidFill>
+                <a:latin typeface="Times New Roman" pitchFamily="18" charset="0"/>
+                <a:cs typeface="Times New Roman" pitchFamily="18" charset="0"/>
+              </a:rPr>
+              <a:t>		</a:t>
+            </a:r>
           </a:p>
           <a:p>
             <a:pPr algn="l"/>
@@ -4222,43 +4185,6 @@
               </a:rPr>
               <a:t>	</a:t>
             </a:r>
-            <a:r>
-              <a:rPr lang="en-US" b="1" dirty="0" smtClean="0">
-                <a:solidFill>
-                  <a:schemeClr val="tx1"/>
-                </a:solidFill>
-                <a:latin typeface="Times New Roman" pitchFamily="18" charset="0"/>
-                <a:cs typeface="Times New Roman" pitchFamily="18" charset="0"/>
-              </a:rPr>
-              <a:t>	</a:t>
-            </a:r>
-            <a:endParaRPr lang="en-US" b="1" dirty="0" smtClean="0">
-              <a:solidFill>
-                <a:schemeClr val="tx1"/>
-              </a:solidFill>
-              <a:latin typeface="Times New Roman" pitchFamily="18" charset="0"/>
-              <a:cs typeface="Times New Roman" pitchFamily="18" charset="0"/>
-            </a:endParaRPr>
-          </a:p>
-          <a:p>
-            <a:pPr algn="l"/>
-            <a:r>
-              <a:rPr lang="en-US" b="1" dirty="0" smtClean="0">
-                <a:solidFill>
-                  <a:schemeClr val="tx1"/>
-                </a:solidFill>
-                <a:latin typeface="Times New Roman" pitchFamily="18" charset="0"/>
-                <a:cs typeface="Times New Roman" pitchFamily="18" charset="0"/>
-              </a:rPr>
-              <a:t>	</a:t>
-            </a:r>
-            <a:endParaRPr lang="en-US" b="1" dirty="0" smtClean="0">
-              <a:solidFill>
-                <a:schemeClr val="tx1"/>
-              </a:solidFill>
-              <a:latin typeface="Times New Roman" pitchFamily="18" charset="0"/>
-              <a:cs typeface="Times New Roman" pitchFamily="18" charset="0"/>
-            </a:endParaRPr>
           </a:p>
         </p:txBody>
       </p:sp>
@@ -4270,10 +4196,229 @@
   <p:timing>
     <p:tnLst>
       <p:par>
-        <p:cTn id="1" dur="indefinite" restart="never" nodeType="tmRoot"/>
+        <p:cTn xmlns:p14="http://schemas.microsoft.com/office/powerpoint/2010/main" id="1" dur="indefinite" restart="never" nodeType="tmRoot"/>
       </p:par>
     </p:tnLst>
   </p:timing>
+</p:sld>
+</file>
+
+<file path=ppt/slides/slide10.xml><?xml version="1.0" encoding="utf-8"?>
+<p:sld xmlns:a="http://schemas.openxmlformats.org/drawingml/2006/main" xmlns:r="http://schemas.openxmlformats.org/officeDocument/2006/relationships" xmlns:p="http://schemas.openxmlformats.org/presentationml/2006/main">
+  <p:cSld>
+    <p:spTree>
+      <p:nvGrpSpPr>
+        <p:cNvPr id="1" name=""/>
+        <p:cNvGrpSpPr/>
+        <p:nvPr/>
+      </p:nvGrpSpPr>
+      <p:grpSpPr>
+        <a:xfrm>
+          <a:off x="0" y="0"/>
+          <a:ext cx="0" cy="0"/>
+          <a:chOff x="0" y="0"/>
+          <a:chExt cx="0" cy="0"/>
+        </a:xfrm>
+      </p:grpSpPr>
+      <p:sp>
+        <p:nvSpPr>
+          <p:cNvPr id="3" name="Content Placeholder 2"/>
+          <p:cNvSpPr>
+            <a:spLocks noGrp="1"/>
+          </p:cNvSpPr>
+          <p:nvPr>
+            <p:ph idx="1"/>
+          </p:nvPr>
+        </p:nvSpPr>
+        <p:spPr/>
+        <p:txBody>
+          <a:bodyPr>
+            <a:normAutofit fontScale="92500" lnSpcReduction="10000"/>
+          </a:bodyPr>
+          <a:lstStyle/>
+          <a:p>
+            <a:pPr>
+              <a:buNone/>
+            </a:pPr>
+            <a:r>
+              <a:rPr lang="en-US" dirty="0" smtClean="0"/>
+              <a:t>Github Repository Link:</a:t>
+            </a:r>
+          </a:p>
+          <a:p>
+            <a:pPr>
+              <a:buNone/>
+            </a:pPr>
+            <a:r>
+              <a:rPr lang="en-US" dirty="0" smtClean="0">
+                <a:hlinkClick r:id="rId2"/>
+              </a:rPr>
+              <a:t>https://github.com/SudipKumarSah-0934/SPL-1/blob/master/Code1.c</a:t>
+            </a:r>
+            <a:endParaRPr lang="en-US" dirty="0" smtClean="0"/>
+          </a:p>
+          <a:p>
+            <a:pPr>
+              <a:buNone/>
+            </a:pPr>
+            <a:endParaRPr lang="en-US" dirty="0" smtClean="0"/>
+          </a:p>
+          <a:p>
+            <a:pPr>
+              <a:buNone/>
+            </a:pPr>
+            <a:endParaRPr lang="en-US" dirty="0" smtClean="0"/>
+          </a:p>
+          <a:p>
+            <a:pPr>
+              <a:buNone/>
+            </a:pPr>
+            <a:r>
+              <a:rPr lang="en-US" dirty="0" smtClean="0"/>
+              <a:t>References:</a:t>
+            </a:r>
+          </a:p>
+          <a:p>
+            <a:r>
+              <a:rPr lang="en-US" dirty="0" smtClean="0">
+                <a:hlinkClick r:id="rId3"/>
+              </a:rPr>
+              <a:t>https://www.slideshare.net/jarajana/student-management-systemstms</a:t>
+            </a:r>
+            <a:endParaRPr lang="en-US" dirty="0" smtClean="0"/>
+          </a:p>
+          <a:p>
+            <a:r>
+              <a:rPr lang="en-US" dirty="0" smtClean="0">
+                <a:hlinkClick r:id="rId4"/>
+              </a:rPr>
+              <a:t>https://www.slideshare.net/kumarrjv1/students-management-system</a:t>
+            </a:r>
+            <a:endParaRPr lang="en-US" dirty="0"/>
+          </a:p>
+        </p:txBody>
+      </p:sp>
+    </p:spTree>
+  </p:cSld>
+  <p:clrMapOvr>
+    <a:masterClrMapping/>
+  </p:clrMapOvr>
+  <p:timing>
+    <p:tnLst>
+      <p:par>
+        <p:cTn xmlns:p14="http://schemas.microsoft.com/office/powerpoint/2010/main" id="1" dur="indefinite" restart="never" nodeType="tmRoot"/>
+      </p:par>
+    </p:tnLst>
+  </p:timing>
+</p:sld>
+</file>
+
+<file path=ppt/slides/slide11.xml><?xml version="1.0" encoding="utf-8"?>
+<p:sld xmlns:a="http://schemas.openxmlformats.org/drawingml/2006/main" xmlns:r="http://schemas.openxmlformats.org/officeDocument/2006/relationships" xmlns:p="http://schemas.openxmlformats.org/presentationml/2006/main">
+  <p:cSld>
+    <p:spTree>
+      <p:nvGrpSpPr>
+        <p:cNvPr id="1" name=""/>
+        <p:cNvGrpSpPr/>
+        <p:nvPr/>
+      </p:nvGrpSpPr>
+      <p:grpSpPr>
+        <a:xfrm>
+          <a:off x="0" y="0"/>
+          <a:ext cx="0" cy="0"/>
+          <a:chOff x="0" y="0"/>
+          <a:chExt cx="0" cy="0"/>
+        </a:xfrm>
+      </p:grpSpPr>
+      <p:sp>
+        <p:nvSpPr>
+          <p:cNvPr id="3" name="Content Placeholder 2"/>
+          <p:cNvSpPr>
+            <a:spLocks noGrp="1"/>
+          </p:cNvSpPr>
+          <p:nvPr>
+            <p:ph idx="1"/>
+          </p:nvPr>
+        </p:nvSpPr>
+        <p:spPr/>
+        <p:txBody>
+          <a:bodyPr/>
+          <a:lstStyle/>
+          <a:p>
+            <a:pPr>
+              <a:buNone/>
+            </a:pPr>
+            <a:r>
+              <a:rPr lang="en-US" dirty="0" smtClean="0"/>
+              <a:t>							</a:t>
+            </a:r>
+          </a:p>
+          <a:p>
+            <a:pPr>
+              <a:buNone/>
+            </a:pPr>
+            <a:endParaRPr lang="en-US" dirty="0" smtClean="0"/>
+          </a:p>
+          <a:p>
+            <a:pPr>
+              <a:buNone/>
+            </a:pPr>
+            <a:endParaRPr lang="en-US" dirty="0" smtClean="0"/>
+          </a:p>
+          <a:p>
+            <a:pPr algn="ctr">
+              <a:buNone/>
+            </a:pPr>
+            <a:r>
+              <a:rPr lang="en-US" dirty="0" smtClean="0"/>
+              <a:t>		</a:t>
+            </a:r>
+          </a:p>
+          <a:p>
+            <a:pPr algn="ctr">
+              <a:buNone/>
+            </a:pPr>
+            <a:endParaRPr lang="en-US" sz="3600" b="1" dirty="0">
+              <a:latin typeface="Arial Rounded MT Bold" pitchFamily="34" charset="0"/>
+            </a:endParaRPr>
+          </a:p>
+        </p:txBody>
+      </p:sp>
+      <p:pic>
+        <p:nvPicPr>
+          <p:cNvPr id="2" name="Picture 1" descr="28030318-colourful-cartoon-text-reading-thank-you--2.jpg"/>
+          <p:cNvPicPr>
+            <a:picLocks noChangeAspect="1"/>
+          </p:cNvPicPr>
+          <p:nvPr/>
+        </p:nvPicPr>
+        <p:blipFill>
+          <a:blip r:embed="rId2" cstate="print">
+            <a:extLst>
+              <a:ext uri="{28A0092B-C50C-407E-A947-70E740481C1C}">
+                <a14:useLocalDpi xmlns:a14="http://schemas.microsoft.com/office/drawing/2010/main" val="0"/>
+              </a:ext>
+            </a:extLst>
+          </a:blip>
+          <a:stretch>
+            <a:fillRect/>
+          </a:stretch>
+        </p:blipFill>
+        <p:spPr>
+          <a:xfrm>
+            <a:off x="533400" y="533400"/>
+            <a:ext cx="8001000" cy="5181600"/>
+          </a:xfrm>
+          <a:prstGeom prst="rect">
+            <a:avLst/>
+          </a:prstGeom>
+        </p:spPr>
+      </p:pic>
+    </p:spTree>
+  </p:cSld>
+  <p:clrMapOvr>
+    <a:masterClrMapping/>
+  </p:clrMapOvr>
 </p:sld>
 </file>
 
@@ -4398,7 +4543,7 @@
   <p:timing>
     <p:tnLst>
       <p:par>
-        <p:cTn id="1" dur="indefinite" restart="never" nodeType="tmRoot"/>
+        <p:cTn xmlns:p14="http://schemas.microsoft.com/office/powerpoint/2010/main" id="1" dur="indefinite" restart="never" nodeType="tmRoot"/>
       </p:par>
     </p:tnLst>
   </p:timing>
@@ -4499,7 +4644,7 @@
   <p:timing>
     <p:tnLst>
       <p:par>
-        <p:cTn id="1" dur="indefinite" restart="never" nodeType="tmRoot"/>
+        <p:cTn xmlns:p14="http://schemas.microsoft.com/office/powerpoint/2010/main" id="1" dur="indefinite" restart="never" nodeType="tmRoot"/>
       </p:par>
     </p:tnLst>
   </p:timing>
@@ -4569,7 +4714,7 @@
         </p:spPr>
         <p:txBody>
           <a:bodyPr>
-            <a:normAutofit lnSpcReduction="10000"/>
+            <a:normAutofit/>
           </a:bodyPr>
           <a:lstStyle/>
           <a:p>
@@ -4697,7 +4842,7 @@
   <p:timing>
     <p:tnLst>
       <p:par>
-        <p:cTn id="1" dur="indefinite" restart="never" nodeType="tmRoot"/>
+        <p:cTn xmlns:p14="http://schemas.microsoft.com/office/powerpoint/2010/main" id="1" dur="indefinite" restart="never" nodeType="tmRoot"/>
       </p:par>
     </p:tnLst>
   </p:timing>
@@ -5391,7 +5536,7 @@
   <p:timing>
     <p:tnLst>
       <p:par>
-        <p:cTn id="1" dur="indefinite" restart="never" nodeType="tmRoot"/>
+        <p:cTn xmlns:p14="http://schemas.microsoft.com/office/powerpoint/2010/main" id="1" dur="indefinite" restart="never" nodeType="tmRoot"/>
       </p:par>
     </p:tnLst>
   </p:timing>
@@ -5516,15 +5661,7 @@
             </a:br>
             <a:r>
               <a:rPr lang="en-US" dirty="0" smtClean="0"/>
-              <a:t>Rest </a:t>
-            </a:r>
-            <a:r>
-              <a:rPr lang="en-US" dirty="0" smtClean="0"/>
-              <a:t>of operation on Student </a:t>
-            </a:r>
-            <a:r>
-              <a:rPr lang="en-US" dirty="0" smtClean="0"/>
-              <a:t>Record</a:t>
+              <a:t>Rest of operation on Student Record</a:t>
             </a:r>
             <a:br>
               <a:rPr lang="en-US" dirty="0" smtClean="0"/>
@@ -5771,94 +5908,72 @@
       </p:grpSpPr>
       <p:sp>
         <p:nvSpPr>
-          <p:cNvPr id="3" name="Content Placeholder 2"/>
-          <p:cNvSpPr>
-            <a:spLocks noGrp="1"/>
-          </p:cNvSpPr>
+          <p:cNvPr id="2" name="Title 1"/>
+          <p:cNvSpPr>
+            <a:spLocks noGrp="1"/>
+          </p:cNvSpPr>
+          <p:nvPr>
+            <p:ph type="title"/>
+          </p:nvPr>
+        </p:nvSpPr>
+        <p:spPr>
+          <a:xfrm>
+            <a:off x="304800" y="533400"/>
+            <a:ext cx="8183880" cy="1051560"/>
+          </a:xfrm>
+        </p:spPr>
+        <p:txBody>
+          <a:bodyPr/>
+          <a:lstStyle/>
+          <a:p>
+            <a:r>
+              <a:rPr lang="en-US" dirty="0" smtClean="0"/>
+              <a:t>Sample output</a:t>
+            </a:r>
+            <a:endParaRPr lang="en-US" dirty="0"/>
+          </a:p>
+        </p:txBody>
+      </p:sp>
+      <p:pic>
+        <p:nvPicPr>
+          <p:cNvPr id="4" name="Content Placeholder 3" descr="Screenshot (2).png"/>
+          <p:cNvPicPr>
+            <a:picLocks noGrp="1" noChangeAspect="1"/>
+          </p:cNvPicPr>
           <p:nvPr>
             <p:ph idx="1"/>
           </p:nvPr>
-        </p:nvSpPr>
-        <p:spPr/>
-        <p:txBody>
-          <a:bodyPr>
-            <a:normAutofit fontScale="92500" lnSpcReduction="10000"/>
-          </a:bodyPr>
-          <a:lstStyle/>
-          <a:p>
-            <a:pPr>
-              <a:buNone/>
-            </a:pPr>
-            <a:r>
-              <a:rPr lang="en-US" dirty="0" smtClean="0"/>
-              <a:t>Github Repository Link:</a:t>
-            </a:r>
-          </a:p>
-          <a:p>
-            <a:pPr>
-              <a:buNone/>
-            </a:pPr>
-            <a:r>
-              <a:rPr lang="en-US" dirty="0" smtClean="0">
-                <a:hlinkClick r:id="rId2"/>
-              </a:rPr>
-              <a:t>https://github.com/SudipKumarSah-0934/SPL-1/blob/master/Code1.c</a:t>
-            </a:r>
-            <a:endParaRPr lang="en-US" dirty="0" smtClean="0"/>
-          </a:p>
-          <a:p>
-            <a:pPr>
-              <a:buNone/>
-            </a:pPr>
-            <a:endParaRPr lang="en-US" dirty="0" smtClean="0"/>
-          </a:p>
-          <a:p>
-            <a:pPr>
-              <a:buNone/>
-            </a:pPr>
-            <a:endParaRPr lang="en-US" dirty="0" smtClean="0"/>
-          </a:p>
-          <a:p>
-            <a:pPr>
-              <a:buNone/>
-            </a:pPr>
-            <a:r>
-              <a:rPr lang="en-US" dirty="0" smtClean="0"/>
-              <a:t>References:</a:t>
-            </a:r>
-          </a:p>
-          <a:p>
-            <a:r>
-              <a:rPr lang="en-US" dirty="0" smtClean="0">
-                <a:hlinkClick r:id="rId3"/>
-              </a:rPr>
-              <a:t>https://www.slideshare.net/jarajana/student-management-systemstms</a:t>
-            </a:r>
-            <a:endParaRPr lang="en-US" dirty="0" smtClean="0"/>
-          </a:p>
-          <a:p>
-            <a:r>
-              <a:rPr lang="en-US" dirty="0" smtClean="0">
-                <a:hlinkClick r:id="rId4"/>
-              </a:rPr>
-              <a:t>https://www.slideshare.net/kumarrjv1/students-management-system</a:t>
-            </a:r>
-            <a:endParaRPr lang="en-US" dirty="0"/>
-          </a:p>
-        </p:txBody>
-      </p:sp>
+        </p:nvPicPr>
+        <p:blipFill>
+          <a:blip r:embed="rId2">
+            <a:extLst>
+              <a:ext uri="{28A0092B-C50C-407E-A947-70E740481C1C}">
+                <a14:useLocalDpi xmlns:a14="http://schemas.microsoft.com/office/drawing/2010/main" val="0"/>
+              </a:ext>
+            </a:extLst>
+          </a:blip>
+          <a:srcRect t="15884" b="15884"/>
+          <a:stretch>
+            <a:fillRect/>
+          </a:stretch>
+        </p:blipFill>
+        <p:spPr>
+          <a:xfrm>
+            <a:off x="381000" y="2057400"/>
+            <a:ext cx="8183563" cy="4800600"/>
+          </a:xfrm>
+        </p:spPr>
+      </p:pic>
     </p:spTree>
+    <p:extLst>
+      <p:ext uri="{BB962C8B-B14F-4D97-AF65-F5344CB8AC3E}">
+        <p14:creationId xmlns:p14="http://schemas.microsoft.com/office/powerpoint/2010/main" val="2978286493"/>
+      </p:ext>
+    </p:extLst>
   </p:cSld>
   <p:clrMapOvr>
     <a:masterClrMapping/>
   </p:clrMapOvr>
-  <p:timing>
-    <p:tnLst>
-      <p:par>
-        <p:cTn id="1" dur="indefinite" restart="never" nodeType="tmRoot"/>
-      </p:par>
-    </p:tnLst>
-  </p:timing>
 </p:sld>
 </file>
 
@@ -5881,69 +5996,72 @@
       </p:grpSpPr>
       <p:sp>
         <p:nvSpPr>
-          <p:cNvPr id="3" name="Content Placeholder 2"/>
-          <p:cNvSpPr>
-            <a:spLocks noGrp="1"/>
-          </p:cNvSpPr>
-          <p:nvPr>
-            <p:ph idx="1"/>
-          </p:nvPr>
-        </p:nvSpPr>
-        <p:spPr/>
+          <p:cNvPr id="2" name="Title 1"/>
+          <p:cNvSpPr>
+            <a:spLocks noGrp="1"/>
+          </p:cNvSpPr>
+          <p:nvPr>
+            <p:ph type="title"/>
+          </p:nvPr>
+        </p:nvSpPr>
+        <p:spPr>
+          <a:xfrm>
+            <a:off x="533400" y="457200"/>
+            <a:ext cx="8183880" cy="1051560"/>
+          </a:xfrm>
+        </p:spPr>
         <p:txBody>
           <a:bodyPr/>
           <a:lstStyle/>
           <a:p>
-            <a:pPr>
-              <a:buNone/>
-            </a:pPr>
             <a:r>
               <a:rPr lang="en-US" dirty="0" smtClean="0"/>
-              <a:t>							</a:t>
-            </a:r>
-          </a:p>
-          <a:p>
-            <a:pPr>
-              <a:buNone/>
-            </a:pPr>
-            <a:endParaRPr lang="en-US" dirty="0" smtClean="0"/>
-          </a:p>
-          <a:p>
-            <a:pPr>
-              <a:buNone/>
-            </a:pPr>
-            <a:endParaRPr lang="en-US" dirty="0" smtClean="0"/>
-          </a:p>
-          <a:p>
-            <a:pPr algn="ctr">
-              <a:buNone/>
-            </a:pPr>
-            <a:r>
-              <a:rPr lang="en-US" dirty="0" smtClean="0"/>
-              <a:t>	</a:t>
-            </a:r>
-            <a:r>
-              <a:rPr lang="en-US" dirty="0" smtClean="0"/>
-              <a:t>	</a:t>
-            </a:r>
-          </a:p>
-          <a:p>
-            <a:pPr algn="ctr">
-              <a:buNone/>
-            </a:pPr>
-            <a:r>
-              <a:rPr lang="en-US" sz="3600" b="1" dirty="0" smtClean="0">
-                <a:latin typeface="Arial Rounded MT Bold" pitchFamily="34" charset="0"/>
-              </a:rPr>
-              <a:t>Thank You!!!</a:t>
-            </a:r>
-            <a:endParaRPr lang="en-US" sz="3600" b="1" dirty="0">
-              <a:latin typeface="Arial Rounded MT Bold" pitchFamily="34" charset="0"/>
-            </a:endParaRPr>
-          </a:p>
-        </p:txBody>
-      </p:sp>
+              <a:t>To be continued</a:t>
+            </a:r>
+            <a:r>
+              <a:rPr lang="mr-IN" dirty="0" smtClean="0"/>
+              <a:t>…</a:t>
+            </a:r>
+            <a:endParaRPr lang="en-US" dirty="0"/>
+          </a:p>
+        </p:txBody>
+      </p:sp>
+      <p:pic>
+        <p:nvPicPr>
+          <p:cNvPr id="4" name="Content Placeholder 3" descr="Screenshot (27).png"/>
+          <p:cNvPicPr>
+            <a:picLocks noGrp="1" noChangeAspect="1"/>
+          </p:cNvPicPr>
+          <p:nvPr>
+            <p:ph idx="1"/>
+          </p:nvPr>
+        </p:nvPicPr>
+        <p:blipFill>
+          <a:blip r:embed="rId2">
+            <a:extLst>
+              <a:ext uri="{28A0092B-C50C-407E-A947-70E740481C1C}">
+                <a14:useLocalDpi xmlns:a14="http://schemas.microsoft.com/office/drawing/2010/main" val="0"/>
+              </a:ext>
+            </a:extLst>
+          </a:blip>
+          <a:srcRect t="15884" b="15884"/>
+          <a:stretch>
+            <a:fillRect/>
+          </a:stretch>
+        </p:blipFill>
+        <p:spPr>
+          <a:xfrm>
+            <a:off x="457200" y="1828800"/>
+            <a:ext cx="8183563" cy="4648200"/>
+          </a:xfrm>
+        </p:spPr>
+      </p:pic>
     </p:spTree>
+    <p:extLst>
+      <p:ext uri="{BB962C8B-B14F-4D97-AF65-F5344CB8AC3E}">
+        <p14:creationId xmlns:p14="http://schemas.microsoft.com/office/powerpoint/2010/main" val="2846961334"/>
+      </p:ext>
+    </p:extLst>
   </p:cSld>
   <p:clrMapOvr>
     <a:masterClrMapping/>
